--- a/第三章节PC/系统框架图.pptx
+++ b/第三章节PC/系统框架图.pptx
@@ -6,6 +6,7 @@
   </p:sldMasterIdLst>
   <p:sldIdLst>
     <p:sldId id="283" r:id="rId2"/>
+    <p:sldId id="284" r:id="rId3"/>
   </p:sldIdLst>
   <p:sldSz cx="12192000" cy="6858000"/>
   <p:notesSz cx="6858000" cy="9144000"/>
@@ -104,6 +105,11 @@
       </a:defRPr>
     </a:lvl9pPr>
   </p:defaultTextStyle>
+  <p:extLst>
+    <p:ext uri="{EFAFB233-063F-42B5-8137-9DF3F51BA10A}">
+      <p15:sldGuideLst xmlns:p15="http://schemas.microsoft.com/office/powerpoint/2012/main"/>
+    </p:ext>
+  </p:extLst>
 </p:presentation>
 </file>
 
@@ -254,7 +260,7 @@
           <a:p>
             <a:fld id="{2FC4DD04-2AD6-4BA1-86C4-26F0BA46F0FC}" type="datetimeFigureOut">
               <a:rPr lang="zh-CN" altLang="en-US" smtClean="0"/>
-              <a:t>2025/12/18</a:t>
+              <a:t>2025/12/24</a:t>
             </a:fld>
             <a:endParaRPr lang="zh-CN" altLang="en-US"/>
           </a:p>
@@ -452,7 +458,7 @@
           <a:p>
             <a:fld id="{2FC4DD04-2AD6-4BA1-86C4-26F0BA46F0FC}" type="datetimeFigureOut">
               <a:rPr lang="zh-CN" altLang="en-US" smtClean="0"/>
-              <a:t>2025/12/18</a:t>
+              <a:t>2025/12/24</a:t>
             </a:fld>
             <a:endParaRPr lang="zh-CN" altLang="en-US"/>
           </a:p>
@@ -660,7 +666,7 @@
           <a:p>
             <a:fld id="{2FC4DD04-2AD6-4BA1-86C4-26F0BA46F0FC}" type="datetimeFigureOut">
               <a:rPr lang="zh-CN" altLang="en-US" smtClean="0"/>
-              <a:t>2025/12/18</a:t>
+              <a:t>2025/12/24</a:t>
             </a:fld>
             <a:endParaRPr lang="zh-CN" altLang="en-US"/>
           </a:p>
@@ -858,7 +864,7 @@
           <a:p>
             <a:fld id="{2FC4DD04-2AD6-4BA1-86C4-26F0BA46F0FC}" type="datetimeFigureOut">
               <a:rPr lang="zh-CN" altLang="en-US" smtClean="0"/>
-              <a:t>2025/12/18</a:t>
+              <a:t>2025/12/24</a:t>
             </a:fld>
             <a:endParaRPr lang="zh-CN" altLang="en-US"/>
           </a:p>
@@ -1133,7 +1139,7 @@
           <a:p>
             <a:fld id="{2FC4DD04-2AD6-4BA1-86C4-26F0BA46F0FC}" type="datetimeFigureOut">
               <a:rPr lang="zh-CN" altLang="en-US" smtClean="0"/>
-              <a:t>2025/12/18</a:t>
+              <a:t>2025/12/24</a:t>
             </a:fld>
             <a:endParaRPr lang="zh-CN" altLang="en-US"/>
           </a:p>
@@ -1398,7 +1404,7 @@
           <a:p>
             <a:fld id="{2FC4DD04-2AD6-4BA1-86C4-26F0BA46F0FC}" type="datetimeFigureOut">
               <a:rPr lang="zh-CN" altLang="en-US" smtClean="0"/>
-              <a:t>2025/12/18</a:t>
+              <a:t>2025/12/24</a:t>
             </a:fld>
             <a:endParaRPr lang="zh-CN" altLang="en-US"/>
           </a:p>
@@ -1810,7 +1816,7 @@
           <a:p>
             <a:fld id="{2FC4DD04-2AD6-4BA1-86C4-26F0BA46F0FC}" type="datetimeFigureOut">
               <a:rPr lang="zh-CN" altLang="en-US" smtClean="0"/>
-              <a:t>2025/12/18</a:t>
+              <a:t>2025/12/24</a:t>
             </a:fld>
             <a:endParaRPr lang="zh-CN" altLang="en-US"/>
           </a:p>
@@ -1951,7 +1957,7 @@
           <a:p>
             <a:fld id="{2FC4DD04-2AD6-4BA1-86C4-26F0BA46F0FC}" type="datetimeFigureOut">
               <a:rPr lang="zh-CN" altLang="en-US" smtClean="0"/>
-              <a:t>2025/12/18</a:t>
+              <a:t>2025/12/24</a:t>
             </a:fld>
             <a:endParaRPr lang="zh-CN" altLang="en-US"/>
           </a:p>
@@ -2064,7 +2070,7 @@
           <a:p>
             <a:fld id="{2FC4DD04-2AD6-4BA1-86C4-26F0BA46F0FC}" type="datetimeFigureOut">
               <a:rPr lang="zh-CN" altLang="en-US" smtClean="0"/>
-              <a:t>2025/12/18</a:t>
+              <a:t>2025/12/24</a:t>
             </a:fld>
             <a:endParaRPr lang="zh-CN" altLang="en-US"/>
           </a:p>
@@ -2375,7 +2381,7 @@
           <a:p>
             <a:fld id="{2FC4DD04-2AD6-4BA1-86C4-26F0BA46F0FC}" type="datetimeFigureOut">
               <a:rPr lang="zh-CN" altLang="en-US" smtClean="0"/>
-              <a:t>2025/12/18</a:t>
+              <a:t>2025/12/24</a:t>
             </a:fld>
             <a:endParaRPr lang="zh-CN" altLang="en-US"/>
           </a:p>
@@ -2663,7 +2669,7 @@
           <a:p>
             <a:fld id="{2FC4DD04-2AD6-4BA1-86C4-26F0BA46F0FC}" type="datetimeFigureOut">
               <a:rPr lang="zh-CN" altLang="en-US" smtClean="0"/>
-              <a:t>2025/12/18</a:t>
+              <a:t>2025/12/24</a:t>
             </a:fld>
             <a:endParaRPr lang="zh-CN" altLang="en-US"/>
           </a:p>
@@ -2904,7 +2910,7 @@
           <a:p>
             <a:fld id="{2FC4DD04-2AD6-4BA1-86C4-26F0BA46F0FC}" type="datetimeFigureOut">
               <a:rPr lang="zh-CN" altLang="en-US" smtClean="0"/>
-              <a:t>2025/12/18</a:t>
+              <a:t>2025/12/24</a:t>
             </a:fld>
             <a:endParaRPr lang="zh-CN" altLang="en-US"/>
           </a:p>
@@ -5302,6 +5308,2728 @@
 </p:sld>
 </file>
 
+<file path=ppt/slides/slide2.xml><?xml version="1.0" encoding="utf-8"?>
+<p:sld xmlns:a="http://schemas.openxmlformats.org/drawingml/2006/main" xmlns:r="http://schemas.openxmlformats.org/officeDocument/2006/relationships" xmlns:p="http://schemas.openxmlformats.org/presentationml/2006/main">
+  <p:cSld>
+    <p:spTree>
+      <p:nvGrpSpPr>
+        <p:cNvPr id="1" name="">
+          <a:extLst>
+            <a:ext uri="{FF2B5EF4-FFF2-40B4-BE49-F238E27FC236}">
+              <a16:creationId xmlns:a16="http://schemas.microsoft.com/office/drawing/2014/main" id="{0388CF24-2020-4EA0-F9E4-0D4F12B07528}"/>
+            </a:ext>
+          </a:extLst>
+        </p:cNvPr>
+        <p:cNvGrpSpPr/>
+        <p:nvPr/>
+      </p:nvGrpSpPr>
+      <p:grpSpPr>
+        <a:xfrm>
+          <a:off x="0" y="0"/>
+          <a:ext cx="0" cy="0"/>
+          <a:chOff x="0" y="0"/>
+          <a:chExt cx="0" cy="0"/>
+        </a:xfrm>
+      </p:grpSpPr>
+      <p:sp>
+        <p:nvSpPr>
+          <p:cNvPr id="9" name="文本框 8">
+            <a:extLst>
+              <a:ext uri="{FF2B5EF4-FFF2-40B4-BE49-F238E27FC236}">
+                <a16:creationId xmlns:a16="http://schemas.microsoft.com/office/drawing/2014/main" id="{8F8682B4-4FDE-3B9B-5A04-DBC29D6A09B4}"/>
+              </a:ext>
+            </a:extLst>
+          </p:cNvPr>
+          <p:cNvSpPr txBox="1"/>
+          <p:nvPr/>
+        </p:nvSpPr>
+        <p:spPr>
+          <a:xfrm>
+            <a:off x="8343911" y="1970459"/>
+            <a:ext cx="1235239" cy="261610"/>
+          </a:xfrm>
+          <a:prstGeom prst="rect">
+            <a:avLst/>
+          </a:prstGeom>
+          <a:noFill/>
+        </p:spPr>
+        <p:txBody>
+          <a:bodyPr wrap="square" rtlCol="0">
+            <a:spAutoFit/>
+          </a:bodyPr>
+          <a:lstStyle/>
+          <a:p>
+            <a:pPr marL="0" marR="0" lvl="0" indent="0" algn="ctr" defTabSz="914400" rtl="0" eaLnBrk="1" fontAlgn="auto" latinLnBrk="0" hangingPunct="1">
+              <a:lnSpc>
+                <a:spcPct val="100000"/>
+              </a:lnSpc>
+              <a:spcBef>
+                <a:spcPts val="0"/>
+              </a:spcBef>
+              <a:spcAft>
+                <a:spcPts val="0"/>
+              </a:spcAft>
+              <a:buClrTx/>
+              <a:buSzTx/>
+              <a:buFontTx/>
+              <a:buNone/>
+              <a:tabLst/>
+              <a:defRPr/>
+            </a:pPr>
+            <a:r>
+              <a:rPr kumimoji="0" lang="zh-CN" altLang="en-US" sz="1050" b="1" i="0" u="none" strike="noStrike" kern="1200" cap="none" spc="0" normalizeH="0" baseline="0" noProof="0" dirty="0">
+                <a:ln>
+                  <a:noFill/>
+                </a:ln>
+                <a:solidFill>
+                  <a:prstClr val="black"/>
+                </a:solidFill>
+                <a:effectLst/>
+                <a:uLnTx/>
+                <a:uFillTx/>
+                <a:latin typeface="Times New Roman" panose="02020603050405020304" pitchFamily="18" charset="0"/>
+                <a:ea typeface="宋体" panose="02010600030101010101" pitchFamily="2" charset="-122"/>
+                <a:cs typeface="+mn-cs"/>
+              </a:rPr>
+              <a:t>信号达到中控室</a:t>
+            </a:r>
+          </a:p>
+        </p:txBody>
+      </p:sp>
+      <p:grpSp>
+        <p:nvGrpSpPr>
+          <p:cNvPr id="10" name="组合 9">
+            <a:extLst>
+              <a:ext uri="{FF2B5EF4-FFF2-40B4-BE49-F238E27FC236}">
+                <a16:creationId xmlns:a16="http://schemas.microsoft.com/office/drawing/2014/main" id="{18FC1CC3-1295-E3C2-534E-0B56431A001E}"/>
+              </a:ext>
+            </a:extLst>
+          </p:cNvPr>
+          <p:cNvGrpSpPr/>
+          <p:nvPr/>
+        </p:nvGrpSpPr>
+        <p:grpSpPr>
+          <a:xfrm>
+            <a:off x="2641965" y="1838611"/>
+            <a:ext cx="1775085" cy="2377521"/>
+            <a:chOff x="3468172" y="1504762"/>
+            <a:chExt cx="2515218" cy="3593250"/>
+          </a:xfrm>
+        </p:grpSpPr>
+        <p:pic>
+          <p:nvPicPr>
+            <p:cNvPr id="11" name="Picture 8">
+              <a:extLst>
+                <a:ext uri="{FF2B5EF4-FFF2-40B4-BE49-F238E27FC236}">
+                  <a16:creationId xmlns:a16="http://schemas.microsoft.com/office/drawing/2014/main" id="{0E81093D-47AD-2001-8A9F-A35DF5BA7242}"/>
+                </a:ext>
+              </a:extLst>
+            </p:cNvPr>
+            <p:cNvPicPr>
+              <a:picLocks noChangeAspect="1" noChangeArrowheads="1"/>
+            </p:cNvPicPr>
+            <p:nvPr/>
+          </p:nvPicPr>
+          <p:blipFill>
+            <a:blip r:embed="rId2">
+              <a:extLst>
+                <a:ext uri="{28A0092B-C50C-407E-A947-70E740481C1C}">
+                  <a14:useLocalDpi xmlns:a14="http://schemas.microsoft.com/office/drawing/2010/main" val="0"/>
+                </a:ext>
+              </a:extLst>
+            </a:blip>
+            <a:srcRect/>
+            <a:stretch>
+              <a:fillRect/>
+            </a:stretch>
+          </p:blipFill>
+          <p:spPr bwMode="auto">
+            <a:xfrm>
+              <a:off x="4806368" y="3656551"/>
+              <a:ext cx="1177022" cy="1177022"/>
+            </a:xfrm>
+            <a:prstGeom prst="rect">
+              <a:avLst/>
+            </a:prstGeom>
+            <a:noFill/>
+            <a:extLst>
+              <a:ext uri="{909E8E84-426E-40DD-AFC4-6F175D3DCCD1}">
+                <a14:hiddenFill xmlns:a14="http://schemas.microsoft.com/office/drawing/2010/main">
+                  <a:solidFill>
+                    <a:srgbClr val="FFFFFF"/>
+                  </a:solidFill>
+                </a14:hiddenFill>
+              </a:ext>
+            </a:extLst>
+          </p:spPr>
+        </p:pic>
+        <p:pic>
+          <p:nvPicPr>
+            <p:cNvPr id="13" name="图形 12" descr="Wi-Fi 轮廓">
+              <a:extLst>
+                <a:ext uri="{FF2B5EF4-FFF2-40B4-BE49-F238E27FC236}">
+                  <a16:creationId xmlns:a16="http://schemas.microsoft.com/office/drawing/2014/main" id="{D44DA469-07A4-3D06-38E4-A32C2FAE3E2A}"/>
+                </a:ext>
+              </a:extLst>
+            </p:cNvPr>
+            <p:cNvPicPr>
+              <a:picLocks noChangeAspect="1"/>
+            </p:cNvPicPr>
+            <p:nvPr/>
+          </p:nvPicPr>
+          <p:blipFill>
+            <a:blip r:embed="rId3">
+              <a:extLst>
+                <a:ext uri="{96DAC541-7B7A-43D3-8B79-37D633B846F1}">
+                  <asvg:svgBlip xmlns:asvg="http://schemas.microsoft.com/office/drawing/2016/SVG/main" r:embed="rId4"/>
+                </a:ext>
+              </a:extLst>
+            </a:blip>
+            <a:stretch>
+              <a:fillRect/>
+            </a:stretch>
+          </p:blipFill>
+          <p:spPr>
+            <a:xfrm rot="16200000">
+              <a:off x="3500444" y="1472490"/>
+              <a:ext cx="700612" cy="765156"/>
+            </a:xfrm>
+            <a:prstGeom prst="rect">
+              <a:avLst/>
+            </a:prstGeom>
+          </p:spPr>
+        </p:pic>
+        <p:pic>
+          <p:nvPicPr>
+            <p:cNvPr id="90" name="图形 89" descr="Wi-Fi 轮廓">
+              <a:extLst>
+                <a:ext uri="{FF2B5EF4-FFF2-40B4-BE49-F238E27FC236}">
+                  <a16:creationId xmlns:a16="http://schemas.microsoft.com/office/drawing/2014/main" id="{81C40ED3-B8AA-A362-47AF-3B73F4474E2B}"/>
+                </a:ext>
+              </a:extLst>
+            </p:cNvPr>
+            <p:cNvPicPr>
+              <a:picLocks noChangeAspect="1"/>
+            </p:cNvPicPr>
+            <p:nvPr/>
+          </p:nvPicPr>
+          <p:blipFill>
+            <a:blip r:embed="rId3">
+              <a:extLst>
+                <a:ext uri="{96DAC541-7B7A-43D3-8B79-37D633B846F1}">
+                  <asvg:svgBlip xmlns:asvg="http://schemas.microsoft.com/office/drawing/2016/SVG/main" r:embed="rId4"/>
+                </a:ext>
+              </a:extLst>
+            </a:blip>
+            <a:stretch>
+              <a:fillRect/>
+            </a:stretch>
+          </p:blipFill>
+          <p:spPr>
+            <a:xfrm rot="16200000">
+              <a:off x="3507878" y="4365128"/>
+              <a:ext cx="700612" cy="765156"/>
+            </a:xfrm>
+            <a:prstGeom prst="rect">
+              <a:avLst/>
+            </a:prstGeom>
+          </p:spPr>
+        </p:pic>
+      </p:grpSp>
+      <p:cxnSp>
+        <p:nvCxnSpPr>
+          <p:cNvPr id="15" name="直线连接符 5">
+            <a:extLst>
+              <a:ext uri="{FF2B5EF4-FFF2-40B4-BE49-F238E27FC236}">
+                <a16:creationId xmlns:a16="http://schemas.microsoft.com/office/drawing/2014/main" id="{A7FAB383-8054-3285-613B-5A2F7A467313}"/>
+              </a:ext>
+            </a:extLst>
+          </p:cNvPr>
+          <p:cNvCxnSpPr>
+            <a:cxnSpLocks/>
+          </p:cNvCxnSpPr>
+          <p:nvPr/>
+        </p:nvCxnSpPr>
+        <p:spPr>
+          <a:xfrm flipH="1" flipV="1">
+            <a:off x="4001715" y="2252979"/>
+            <a:ext cx="0" cy="1510614"/>
+          </a:xfrm>
+          <a:prstGeom prst="line">
+            <a:avLst/>
+          </a:prstGeom>
+          <a:ln w="19050">
+            <a:solidFill>
+              <a:schemeClr val="tx1"/>
+            </a:solidFill>
+          </a:ln>
+        </p:spPr>
+        <p:style>
+          <a:lnRef idx="1">
+            <a:schemeClr val="accent1"/>
+          </a:lnRef>
+          <a:fillRef idx="0">
+            <a:schemeClr val="accent1"/>
+          </a:fillRef>
+          <a:effectRef idx="0">
+            <a:schemeClr val="accent1"/>
+          </a:effectRef>
+          <a:fontRef idx="minor">
+            <a:schemeClr val="tx1"/>
+          </a:fontRef>
+        </p:style>
+      </p:cxnSp>
+      <p:sp>
+        <p:nvSpPr>
+          <p:cNvPr id="16" name="文本框 15">
+            <a:extLst>
+              <a:ext uri="{FF2B5EF4-FFF2-40B4-BE49-F238E27FC236}">
+                <a16:creationId xmlns:a16="http://schemas.microsoft.com/office/drawing/2014/main" id="{BD160D81-04C2-374B-DADF-5BBD4FC12173}"/>
+              </a:ext>
+            </a:extLst>
+          </p:cNvPr>
+          <p:cNvSpPr txBox="1"/>
+          <p:nvPr/>
+        </p:nvSpPr>
+        <p:spPr>
+          <a:xfrm>
+            <a:off x="3201323" y="4181596"/>
+            <a:ext cx="1672048" cy="415498"/>
+          </a:xfrm>
+          <a:prstGeom prst="rect">
+            <a:avLst/>
+          </a:prstGeom>
+          <a:noFill/>
+        </p:spPr>
+        <p:txBody>
+          <a:bodyPr wrap="square" rtlCol="0">
+            <a:spAutoFit/>
+          </a:bodyPr>
+          <a:lstStyle/>
+          <a:p>
+            <a:pPr marL="0" marR="0" lvl="0" indent="0" algn="ctr" defTabSz="914400" rtl="0" eaLnBrk="1" fontAlgn="auto" latinLnBrk="0" hangingPunct="1">
+              <a:lnSpc>
+                <a:spcPct val="100000"/>
+              </a:lnSpc>
+              <a:spcBef>
+                <a:spcPts val="0"/>
+              </a:spcBef>
+              <a:spcAft>
+                <a:spcPts val="0"/>
+              </a:spcAft>
+              <a:buClrTx/>
+              <a:buSzTx/>
+              <a:buFontTx/>
+              <a:buNone/>
+              <a:tabLst/>
+              <a:defRPr/>
+            </a:pPr>
+            <a:r>
+              <a:rPr kumimoji="0" lang="zh-CN" altLang="en-US" sz="1050" b="1" i="0" u="none" strike="noStrike" kern="1200" cap="none" spc="0" normalizeH="0" baseline="0" noProof="0" dirty="0">
+                <a:ln>
+                  <a:noFill/>
+                </a:ln>
+                <a:solidFill>
+                  <a:prstClr val="black"/>
+                </a:solidFill>
+                <a:effectLst/>
+                <a:uLnTx/>
+                <a:uFillTx/>
+                <a:latin typeface="Times New Roman" panose="02020603050405020304" pitchFamily="18" charset="0"/>
+                <a:ea typeface="宋体" panose="02010600030101010101" pitchFamily="2" charset="-122"/>
+                <a:cs typeface="+mn-cs"/>
+              </a:rPr>
+              <a:t>信号传输至路由器等网络设备（配置在工作现场的）</a:t>
+            </a:r>
+          </a:p>
+        </p:txBody>
+      </p:sp>
+      <p:cxnSp>
+        <p:nvCxnSpPr>
+          <p:cNvPr id="19" name="直线连接符 5">
+            <a:extLst>
+              <a:ext uri="{FF2B5EF4-FFF2-40B4-BE49-F238E27FC236}">
+                <a16:creationId xmlns:a16="http://schemas.microsoft.com/office/drawing/2014/main" id="{94F4F08B-7026-3F0B-53C0-AC29F6590018}"/>
+              </a:ext>
+            </a:extLst>
+          </p:cNvPr>
+          <p:cNvCxnSpPr>
+            <a:cxnSpLocks/>
+          </p:cNvCxnSpPr>
+          <p:nvPr/>
+        </p:nvCxnSpPr>
+        <p:spPr>
+          <a:xfrm>
+            <a:off x="4001715" y="2259929"/>
+            <a:ext cx="3028338" cy="10565"/>
+          </a:xfrm>
+          <a:prstGeom prst="line">
+            <a:avLst/>
+          </a:prstGeom>
+          <a:ln w="19050">
+            <a:solidFill>
+              <a:schemeClr val="tx1"/>
+            </a:solidFill>
+          </a:ln>
+        </p:spPr>
+        <p:style>
+          <a:lnRef idx="1">
+            <a:schemeClr val="accent1"/>
+          </a:lnRef>
+          <a:fillRef idx="0">
+            <a:schemeClr val="accent1"/>
+          </a:fillRef>
+          <a:effectRef idx="0">
+            <a:schemeClr val="accent1"/>
+          </a:effectRef>
+          <a:fontRef idx="minor">
+            <a:schemeClr val="tx1"/>
+          </a:fontRef>
+        </p:style>
+      </p:cxnSp>
+      <p:pic>
+        <p:nvPicPr>
+          <p:cNvPr id="20" name="图片 19">
+            <a:extLst>
+              <a:ext uri="{FF2B5EF4-FFF2-40B4-BE49-F238E27FC236}">
+                <a16:creationId xmlns:a16="http://schemas.microsoft.com/office/drawing/2014/main" id="{806E167F-32E6-7DAE-A943-F61AB6AA321D}"/>
+              </a:ext>
+            </a:extLst>
+          </p:cNvPr>
+          <p:cNvPicPr>
+            <a:picLocks noChangeAspect="1"/>
+          </p:cNvPicPr>
+          <p:nvPr/>
+        </p:nvPicPr>
+        <p:blipFill>
+          <a:blip r:embed="rId5"/>
+          <a:stretch>
+            <a:fillRect/>
+          </a:stretch>
+        </p:blipFill>
+        <p:spPr>
+          <a:xfrm>
+            <a:off x="7073347" y="1662943"/>
+            <a:ext cx="1250652" cy="1030092"/>
+          </a:xfrm>
+          <a:prstGeom prst="rect">
+            <a:avLst/>
+          </a:prstGeom>
+        </p:spPr>
+      </p:pic>
+      <p:sp>
+        <p:nvSpPr>
+          <p:cNvPr id="21" name="文本框 20">
+            <a:extLst>
+              <a:ext uri="{FF2B5EF4-FFF2-40B4-BE49-F238E27FC236}">
+                <a16:creationId xmlns:a16="http://schemas.microsoft.com/office/drawing/2014/main" id="{98FE03AD-BD16-460B-3A70-A611511521B9}"/>
+              </a:ext>
+            </a:extLst>
+          </p:cNvPr>
+          <p:cNvSpPr txBox="1"/>
+          <p:nvPr/>
+        </p:nvSpPr>
+        <p:spPr>
+          <a:xfrm>
+            <a:off x="4621139" y="1543631"/>
+            <a:ext cx="2204997" cy="261610"/>
+          </a:xfrm>
+          <a:prstGeom prst="rect">
+            <a:avLst/>
+          </a:prstGeom>
+          <a:noFill/>
+        </p:spPr>
+        <p:txBody>
+          <a:bodyPr wrap="square" rtlCol="0">
+            <a:spAutoFit/>
+          </a:bodyPr>
+          <a:lstStyle/>
+          <a:p>
+            <a:pPr marL="0" marR="0" lvl="0" indent="0" algn="ctr" defTabSz="914400" rtl="0" eaLnBrk="1" fontAlgn="auto" latinLnBrk="0" hangingPunct="1">
+              <a:lnSpc>
+                <a:spcPct val="100000"/>
+              </a:lnSpc>
+              <a:spcBef>
+                <a:spcPts val="0"/>
+              </a:spcBef>
+              <a:spcAft>
+                <a:spcPts val="0"/>
+              </a:spcAft>
+              <a:buClrTx/>
+              <a:buSzTx/>
+              <a:buFontTx/>
+              <a:buNone/>
+              <a:tabLst/>
+              <a:defRPr/>
+            </a:pPr>
+            <a:r>
+              <a:rPr kumimoji="0" lang="zh-CN" altLang="en-US" sz="1050" b="1" i="0" u="none" strike="noStrike" kern="1200" cap="none" spc="0" normalizeH="0" baseline="0" noProof="0" dirty="0">
+                <a:ln>
+                  <a:noFill/>
+                </a:ln>
+                <a:solidFill>
+                  <a:prstClr val="black"/>
+                </a:solidFill>
+                <a:effectLst/>
+                <a:uLnTx/>
+                <a:uFillTx/>
+                <a:latin typeface="Times New Roman" panose="02020603050405020304" pitchFamily="18" charset="0"/>
+                <a:ea typeface="宋体" panose="02010600030101010101" pitchFamily="2" charset="-122"/>
+                <a:cs typeface="+mn-cs"/>
+              </a:rPr>
+              <a:t>传输至云端服务器</a:t>
+            </a:r>
+          </a:p>
+        </p:txBody>
+      </p:sp>
+      <p:cxnSp>
+        <p:nvCxnSpPr>
+          <p:cNvPr id="22" name="直线连接符 5">
+            <a:extLst>
+              <a:ext uri="{FF2B5EF4-FFF2-40B4-BE49-F238E27FC236}">
+                <a16:creationId xmlns:a16="http://schemas.microsoft.com/office/drawing/2014/main" id="{1FA6563A-8C68-55BD-A2AB-BC1B61C16B5C}"/>
+              </a:ext>
+            </a:extLst>
+          </p:cNvPr>
+          <p:cNvCxnSpPr>
+            <a:cxnSpLocks/>
+          </p:cNvCxnSpPr>
+          <p:nvPr/>
+        </p:nvCxnSpPr>
+        <p:spPr>
+          <a:xfrm flipV="1">
+            <a:off x="8262301" y="2304692"/>
+            <a:ext cx="2244566" cy="1"/>
+          </a:xfrm>
+          <a:prstGeom prst="line">
+            <a:avLst/>
+          </a:prstGeom>
+          <a:ln w="19050">
+            <a:solidFill>
+              <a:schemeClr val="tx1"/>
+            </a:solidFill>
+          </a:ln>
+        </p:spPr>
+        <p:style>
+          <a:lnRef idx="1">
+            <a:schemeClr val="accent1"/>
+          </a:lnRef>
+          <a:fillRef idx="0">
+            <a:schemeClr val="accent1"/>
+          </a:fillRef>
+          <a:effectRef idx="0">
+            <a:schemeClr val="accent1"/>
+          </a:effectRef>
+          <a:fontRef idx="minor">
+            <a:schemeClr val="tx1"/>
+          </a:fontRef>
+        </p:style>
+      </p:cxnSp>
+      <p:cxnSp>
+        <p:nvCxnSpPr>
+          <p:cNvPr id="23" name="直线连接符 5">
+            <a:extLst>
+              <a:ext uri="{FF2B5EF4-FFF2-40B4-BE49-F238E27FC236}">
+                <a16:creationId xmlns:a16="http://schemas.microsoft.com/office/drawing/2014/main" id="{C9672A29-D996-5E44-4484-8013F07E51A0}"/>
+              </a:ext>
+            </a:extLst>
+          </p:cNvPr>
+          <p:cNvCxnSpPr>
+            <a:cxnSpLocks/>
+          </p:cNvCxnSpPr>
+          <p:nvPr/>
+        </p:nvCxnSpPr>
+        <p:spPr>
+          <a:xfrm flipV="1">
+            <a:off x="10506867" y="2304692"/>
+            <a:ext cx="0" cy="979823"/>
+          </a:xfrm>
+          <a:prstGeom prst="line">
+            <a:avLst/>
+          </a:prstGeom>
+          <a:ln w="19050">
+            <a:solidFill>
+              <a:schemeClr val="tx1"/>
+            </a:solidFill>
+          </a:ln>
+        </p:spPr>
+        <p:style>
+          <a:lnRef idx="1">
+            <a:schemeClr val="accent1"/>
+          </a:lnRef>
+          <a:fillRef idx="0">
+            <a:schemeClr val="accent1"/>
+          </a:fillRef>
+          <a:effectRef idx="0">
+            <a:schemeClr val="accent1"/>
+          </a:effectRef>
+          <a:fontRef idx="minor">
+            <a:schemeClr val="tx1"/>
+          </a:fontRef>
+        </p:style>
+      </p:cxnSp>
+      <p:sp>
+        <p:nvSpPr>
+          <p:cNvPr id="26" name="文本框 25">
+            <a:extLst>
+              <a:ext uri="{FF2B5EF4-FFF2-40B4-BE49-F238E27FC236}">
+                <a16:creationId xmlns:a16="http://schemas.microsoft.com/office/drawing/2014/main" id="{B71981D8-2579-09E9-D88C-587A7F4FEEB9}"/>
+              </a:ext>
+            </a:extLst>
+          </p:cNvPr>
+          <p:cNvSpPr txBox="1"/>
+          <p:nvPr/>
+        </p:nvSpPr>
+        <p:spPr>
+          <a:xfrm>
+            <a:off x="6037338" y="3587654"/>
+            <a:ext cx="2244565" cy="261610"/>
+          </a:xfrm>
+          <a:prstGeom prst="rect">
+            <a:avLst/>
+          </a:prstGeom>
+          <a:noFill/>
+        </p:spPr>
+        <p:txBody>
+          <a:bodyPr wrap="square">
+            <a:spAutoFit/>
+          </a:bodyPr>
+          <a:lstStyle/>
+          <a:p>
+            <a:pPr marL="0" marR="0" lvl="0" indent="0" algn="ctr" defTabSz="914400" rtl="0" eaLnBrk="1" fontAlgn="auto" latinLnBrk="0" hangingPunct="1">
+              <a:lnSpc>
+                <a:spcPct val="100000"/>
+              </a:lnSpc>
+              <a:spcBef>
+                <a:spcPts val="0"/>
+              </a:spcBef>
+              <a:spcAft>
+                <a:spcPts val="0"/>
+              </a:spcAft>
+              <a:buClrTx/>
+              <a:buSzTx/>
+              <a:buFontTx/>
+              <a:buNone/>
+              <a:tabLst/>
+              <a:defRPr/>
+            </a:pPr>
+            <a:r>
+              <a:rPr kumimoji="0" lang="zh-CN" altLang="en-US" sz="1050" b="1" i="0" u="none" strike="noStrike" kern="1200" cap="none" spc="0" normalizeH="0" baseline="0" noProof="0" dirty="0">
+                <a:ln>
+                  <a:noFill/>
+                </a:ln>
+                <a:solidFill>
+                  <a:prstClr val="black"/>
+                </a:solidFill>
+                <a:effectLst/>
+                <a:uLnTx/>
+                <a:uFillTx/>
+                <a:latin typeface="Times New Roman" panose="02020603050405020304" pitchFamily="18" charset="0"/>
+                <a:ea typeface="宋体" panose="02010600030101010101" pitchFamily="2" charset="-122"/>
+                <a:cs typeface="+mn-cs"/>
+              </a:rPr>
+              <a:t>各项指标参数跟踪与计算</a:t>
+            </a:r>
+          </a:p>
+        </p:txBody>
+      </p:sp>
+      <p:pic>
+        <p:nvPicPr>
+          <p:cNvPr id="27" name="图片 26">
+            <a:extLst>
+              <a:ext uri="{FF2B5EF4-FFF2-40B4-BE49-F238E27FC236}">
+                <a16:creationId xmlns:a16="http://schemas.microsoft.com/office/drawing/2014/main" id="{BD85ACFE-8B38-F991-AF26-EBE8F416DE92}"/>
+              </a:ext>
+            </a:extLst>
+          </p:cNvPr>
+          <p:cNvPicPr>
+            <a:picLocks noChangeAspect="1"/>
+          </p:cNvPicPr>
+          <p:nvPr/>
+        </p:nvPicPr>
+        <p:blipFill>
+          <a:blip r:embed="rId6"/>
+          <a:stretch>
+            <a:fillRect/>
+          </a:stretch>
+        </p:blipFill>
+        <p:spPr>
+          <a:xfrm flipV="1">
+            <a:off x="6291563" y="3921912"/>
+            <a:ext cx="2061186" cy="537451"/>
+          </a:xfrm>
+          <a:prstGeom prst="rect">
+            <a:avLst/>
+          </a:prstGeom>
+        </p:spPr>
+      </p:pic>
+      <p:pic>
+        <p:nvPicPr>
+          <p:cNvPr id="28" name="图片 27">
+            <a:extLst>
+              <a:ext uri="{FF2B5EF4-FFF2-40B4-BE49-F238E27FC236}">
+                <a16:creationId xmlns:a16="http://schemas.microsoft.com/office/drawing/2014/main" id="{662B86D1-AE04-7F6E-4936-0B0B2473EDEE}"/>
+              </a:ext>
+            </a:extLst>
+          </p:cNvPr>
+          <p:cNvPicPr>
+            <a:picLocks noChangeAspect="1"/>
+          </p:cNvPicPr>
+          <p:nvPr/>
+        </p:nvPicPr>
+        <p:blipFill>
+          <a:blip r:embed="rId7"/>
+          <a:stretch>
+            <a:fillRect/>
+          </a:stretch>
+        </p:blipFill>
+        <p:spPr>
+          <a:xfrm flipH="1">
+            <a:off x="6474612" y="4576318"/>
+            <a:ext cx="555441" cy="537451"/>
+          </a:xfrm>
+          <a:prstGeom prst="rect">
+            <a:avLst/>
+          </a:prstGeom>
+        </p:spPr>
+      </p:pic>
+      <p:pic>
+        <p:nvPicPr>
+          <p:cNvPr id="29" name="图片 28">
+            <a:extLst>
+              <a:ext uri="{FF2B5EF4-FFF2-40B4-BE49-F238E27FC236}">
+                <a16:creationId xmlns:a16="http://schemas.microsoft.com/office/drawing/2014/main" id="{5C08CFA1-D2C9-23B8-075F-8FF23410B114}"/>
+              </a:ext>
+            </a:extLst>
+          </p:cNvPr>
+          <p:cNvPicPr>
+            <a:picLocks noChangeAspect="1"/>
+          </p:cNvPicPr>
+          <p:nvPr/>
+        </p:nvPicPr>
+        <p:blipFill>
+          <a:blip r:embed="rId8"/>
+          <a:stretch>
+            <a:fillRect/>
+          </a:stretch>
+        </p:blipFill>
+        <p:spPr>
+          <a:xfrm>
+            <a:off x="7364206" y="4527666"/>
+            <a:ext cx="754040" cy="688767"/>
+          </a:xfrm>
+          <a:prstGeom prst="rect">
+            <a:avLst/>
+          </a:prstGeom>
+        </p:spPr>
+      </p:pic>
+      <p:sp>
+        <p:nvSpPr>
+          <p:cNvPr id="32" name="文本框 31">
+            <a:extLst>
+              <a:ext uri="{FF2B5EF4-FFF2-40B4-BE49-F238E27FC236}">
+                <a16:creationId xmlns:a16="http://schemas.microsoft.com/office/drawing/2014/main" id="{C7506764-B7FC-4B2D-248E-DFD3FB5F24BD}"/>
+              </a:ext>
+            </a:extLst>
+          </p:cNvPr>
+          <p:cNvSpPr txBox="1"/>
+          <p:nvPr/>
+        </p:nvSpPr>
+        <p:spPr>
+          <a:xfrm>
+            <a:off x="6026291" y="3284515"/>
+            <a:ext cx="1672382" cy="253916"/>
+          </a:xfrm>
+          <a:prstGeom prst="rect">
+            <a:avLst/>
+          </a:prstGeom>
+          <a:noFill/>
+        </p:spPr>
+        <p:txBody>
+          <a:bodyPr wrap="square">
+            <a:spAutoFit/>
+          </a:bodyPr>
+          <a:lstStyle/>
+          <a:p>
+            <a:pPr marL="0" marR="0" lvl="0" indent="0" algn="ctr" defTabSz="914400" rtl="0" eaLnBrk="1" fontAlgn="auto" latinLnBrk="0" hangingPunct="1">
+              <a:lnSpc>
+                <a:spcPct val="100000"/>
+              </a:lnSpc>
+              <a:spcBef>
+                <a:spcPts val="0"/>
+              </a:spcBef>
+              <a:spcAft>
+                <a:spcPts val="0"/>
+              </a:spcAft>
+              <a:buClrTx/>
+              <a:buSzTx/>
+              <a:buFontTx/>
+              <a:buNone/>
+              <a:tabLst/>
+              <a:defRPr/>
+            </a:pPr>
+            <a:r>
+              <a:rPr kumimoji="0" lang="zh-CN" altLang="en-US" sz="1050" b="1" i="0" u="none" strike="noStrike" kern="1200" cap="none" spc="0" normalizeH="0" baseline="0" noProof="0" dirty="0">
+                <a:ln>
+                  <a:noFill/>
+                </a:ln>
+                <a:solidFill>
+                  <a:prstClr val="black"/>
+                </a:solidFill>
+                <a:effectLst/>
+                <a:uLnTx/>
+                <a:uFillTx/>
+                <a:latin typeface="Times New Roman" panose="02020603050405020304" pitchFamily="18" charset="0"/>
+                <a:ea typeface="宋体" panose="02010600030101010101" pitchFamily="2" charset="-122"/>
+                <a:cs typeface="+mn-cs"/>
+              </a:rPr>
+              <a:t>模型</a:t>
+            </a:r>
+            <a:r>
+              <a:rPr kumimoji="0" lang="en-US" altLang="zh-CN" sz="1050" b="1" i="0" u="none" strike="noStrike" kern="1200" cap="none" spc="0" normalizeH="0" baseline="0" noProof="0" dirty="0">
+                <a:ln>
+                  <a:noFill/>
+                </a:ln>
+                <a:solidFill>
+                  <a:prstClr val="black"/>
+                </a:solidFill>
+                <a:effectLst/>
+                <a:uLnTx/>
+                <a:uFillTx/>
+                <a:latin typeface="Times New Roman" panose="02020603050405020304" pitchFamily="18" charset="0"/>
+                <a:ea typeface="宋体" panose="02010600030101010101" pitchFamily="2" charset="-122"/>
+                <a:cs typeface="+mn-cs"/>
+              </a:rPr>
+              <a:t>/</a:t>
+            </a:r>
+            <a:r>
+              <a:rPr kumimoji="0" lang="zh-CN" altLang="en-US" sz="1050" b="1" i="0" u="none" strike="noStrike" kern="1200" cap="none" spc="0" normalizeH="0" baseline="0" noProof="0" dirty="0">
+                <a:ln>
+                  <a:noFill/>
+                </a:ln>
+                <a:solidFill>
+                  <a:prstClr val="black"/>
+                </a:solidFill>
+                <a:effectLst/>
+                <a:uLnTx/>
+                <a:uFillTx/>
+                <a:latin typeface="Times New Roman" panose="02020603050405020304" pitchFamily="18" charset="0"/>
+                <a:ea typeface="宋体" panose="02010600030101010101" pitchFamily="2" charset="-122"/>
+                <a:cs typeface="+mn-cs"/>
+              </a:rPr>
+              <a:t>核心算法</a:t>
+            </a:r>
+            <a:endParaRPr kumimoji="0" lang="en-US" altLang="zh-CN" sz="1050" b="1" i="0" u="none" strike="noStrike" kern="1200" cap="none" spc="0" normalizeH="0" baseline="0" noProof="0" dirty="0">
+              <a:ln>
+                <a:noFill/>
+              </a:ln>
+              <a:solidFill>
+                <a:prstClr val="black"/>
+              </a:solidFill>
+              <a:effectLst/>
+              <a:uLnTx/>
+              <a:uFillTx/>
+              <a:latin typeface="Times New Roman" panose="02020603050405020304" pitchFamily="18" charset="0"/>
+              <a:ea typeface="宋体" panose="02010600030101010101" pitchFamily="2" charset="-122"/>
+              <a:cs typeface="+mn-cs"/>
+            </a:endParaRPr>
+          </a:p>
+        </p:txBody>
+      </p:sp>
+      <p:pic>
+        <p:nvPicPr>
+          <p:cNvPr id="33" name="图片 32">
+            <a:extLst>
+              <a:ext uri="{FF2B5EF4-FFF2-40B4-BE49-F238E27FC236}">
+                <a16:creationId xmlns:a16="http://schemas.microsoft.com/office/drawing/2014/main" id="{774A10F1-7A5D-A0AE-5C3C-FE4BCE556E1E}"/>
+              </a:ext>
+            </a:extLst>
+          </p:cNvPr>
+          <p:cNvPicPr>
+            <a:picLocks noChangeAspect="1"/>
+          </p:cNvPicPr>
+          <p:nvPr/>
+        </p:nvPicPr>
+        <p:blipFill>
+          <a:blip r:embed="rId9"/>
+          <a:stretch>
+            <a:fillRect/>
+          </a:stretch>
+        </p:blipFill>
+        <p:spPr>
+          <a:xfrm>
+            <a:off x="1614236" y="1377230"/>
+            <a:ext cx="817865" cy="1611406"/>
+          </a:xfrm>
+          <a:prstGeom prst="rect">
+            <a:avLst/>
+          </a:prstGeom>
+        </p:spPr>
+      </p:pic>
+      <p:pic>
+        <p:nvPicPr>
+          <p:cNvPr id="35" name="图片 34">
+            <a:extLst>
+              <a:ext uri="{FF2B5EF4-FFF2-40B4-BE49-F238E27FC236}">
+                <a16:creationId xmlns:a16="http://schemas.microsoft.com/office/drawing/2014/main" id="{959D7900-54E0-8D38-8AF8-CFD4ABC874D0}"/>
+              </a:ext>
+            </a:extLst>
+          </p:cNvPr>
+          <p:cNvPicPr>
+            <a:picLocks noChangeAspect="1"/>
+          </p:cNvPicPr>
+          <p:nvPr/>
+        </p:nvPicPr>
+        <p:blipFill>
+          <a:blip r:embed="rId10"/>
+          <a:stretch>
+            <a:fillRect/>
+          </a:stretch>
+        </p:blipFill>
+        <p:spPr>
+          <a:xfrm>
+            <a:off x="1614236" y="3171702"/>
+            <a:ext cx="764092" cy="1805594"/>
+          </a:xfrm>
+          <a:prstGeom prst="rect">
+            <a:avLst/>
+          </a:prstGeom>
+        </p:spPr>
+      </p:pic>
+      <p:cxnSp>
+        <p:nvCxnSpPr>
+          <p:cNvPr id="37" name="直接箭头连接符 36">
+            <a:extLst>
+              <a:ext uri="{FF2B5EF4-FFF2-40B4-BE49-F238E27FC236}">
+                <a16:creationId xmlns:a16="http://schemas.microsoft.com/office/drawing/2014/main" id="{92BC0D42-A6C5-F927-F854-35D36BCE9F49}"/>
+              </a:ext>
+            </a:extLst>
+          </p:cNvPr>
+          <p:cNvCxnSpPr>
+            <a:cxnSpLocks/>
+          </p:cNvCxnSpPr>
+          <p:nvPr/>
+        </p:nvCxnSpPr>
+        <p:spPr>
+          <a:xfrm flipH="1">
+            <a:off x="2432101" y="1377230"/>
+            <a:ext cx="5266572" cy="20710"/>
+          </a:xfrm>
+          <a:prstGeom prst="straightConnector1">
+            <a:avLst/>
+          </a:prstGeom>
+          <a:ln w="19050">
+            <a:solidFill>
+              <a:schemeClr val="tx1"/>
+            </a:solidFill>
+            <a:headEnd w="med" len="lg"/>
+            <a:tailEnd type="triangle"/>
+          </a:ln>
+        </p:spPr>
+        <p:style>
+          <a:lnRef idx="1">
+            <a:schemeClr val="accent1"/>
+          </a:lnRef>
+          <a:fillRef idx="0">
+            <a:schemeClr val="accent1"/>
+          </a:fillRef>
+          <a:effectRef idx="0">
+            <a:schemeClr val="accent1"/>
+          </a:effectRef>
+          <a:fontRef idx="minor">
+            <a:schemeClr val="tx1"/>
+          </a:fontRef>
+        </p:style>
+      </p:cxnSp>
+      <p:sp>
+        <p:nvSpPr>
+          <p:cNvPr id="42" name="文本框 41">
+            <a:extLst>
+              <a:ext uri="{FF2B5EF4-FFF2-40B4-BE49-F238E27FC236}">
+                <a16:creationId xmlns:a16="http://schemas.microsoft.com/office/drawing/2014/main" id="{26B07159-5647-9FD6-4C1B-26E9E9B5977E}"/>
+              </a:ext>
+            </a:extLst>
+          </p:cNvPr>
+          <p:cNvSpPr txBox="1"/>
+          <p:nvPr/>
+        </p:nvSpPr>
+        <p:spPr>
+          <a:xfrm>
+            <a:off x="702074" y="1596686"/>
+            <a:ext cx="1088431" cy="784830"/>
+          </a:xfrm>
+          <a:prstGeom prst="rect">
+            <a:avLst/>
+          </a:prstGeom>
+          <a:noFill/>
+        </p:spPr>
+        <p:txBody>
+          <a:bodyPr wrap="square" rtlCol="0">
+            <a:spAutoFit/>
+          </a:bodyPr>
+          <a:lstStyle/>
+          <a:p>
+            <a:pPr marL="0" marR="0" lvl="0" indent="0" algn="ctr" defTabSz="914400" rtl="0" eaLnBrk="1" fontAlgn="auto" latinLnBrk="0" hangingPunct="1">
+              <a:lnSpc>
+                <a:spcPct val="100000"/>
+              </a:lnSpc>
+              <a:spcBef>
+                <a:spcPts val="0"/>
+              </a:spcBef>
+              <a:spcAft>
+                <a:spcPts val="0"/>
+              </a:spcAft>
+              <a:buClrTx/>
+              <a:buSzTx/>
+              <a:buFontTx/>
+              <a:buNone/>
+              <a:tabLst/>
+              <a:defRPr/>
+            </a:pPr>
+            <a:r>
+              <a:rPr kumimoji="1" lang="zh-CN" altLang="en-US" sz="1050" b="1" i="0" u="none" strike="noStrike" kern="1200" cap="none" spc="0" normalizeH="0" baseline="0" noProof="0" dirty="0">
+                <a:ln>
+                  <a:noFill/>
+                </a:ln>
+                <a:solidFill>
+                  <a:prstClr val="black"/>
+                </a:solidFill>
+                <a:effectLst/>
+                <a:uLnTx/>
+                <a:uFillTx/>
+                <a:latin typeface="宋体" panose="02010600030101010101" pitchFamily="2" charset="-122"/>
+                <a:ea typeface="宋体" panose="02010600030101010101" pitchFamily="2" charset="-122"/>
+                <a:cs typeface="+mn-cs"/>
+              </a:rPr>
+              <a:t>心率检测</a:t>
+            </a:r>
+            <a:endParaRPr kumimoji="1" lang="en-US" altLang="zh-CN" sz="1050" b="1" i="0" u="none" strike="noStrike" kern="1200" cap="none" spc="0" normalizeH="0" baseline="0" noProof="0" dirty="0">
+              <a:ln>
+                <a:noFill/>
+              </a:ln>
+              <a:solidFill>
+                <a:prstClr val="black"/>
+              </a:solidFill>
+              <a:effectLst/>
+              <a:uLnTx/>
+              <a:uFillTx/>
+              <a:latin typeface="宋体" panose="02010600030101010101" pitchFamily="2" charset="-122"/>
+              <a:ea typeface="宋体" panose="02010600030101010101" pitchFamily="2" charset="-122"/>
+              <a:cs typeface="+mn-cs"/>
+            </a:endParaRPr>
+          </a:p>
+          <a:p>
+            <a:pPr marL="0" marR="0" lvl="0" indent="0" algn="ctr" defTabSz="914400" rtl="0" eaLnBrk="1" fontAlgn="auto" latinLnBrk="0" hangingPunct="1">
+              <a:lnSpc>
+                <a:spcPct val="100000"/>
+              </a:lnSpc>
+              <a:spcBef>
+                <a:spcPts val="0"/>
+              </a:spcBef>
+              <a:spcAft>
+                <a:spcPts val="0"/>
+              </a:spcAft>
+              <a:buClrTx/>
+              <a:buSzTx/>
+              <a:buFontTx/>
+              <a:buNone/>
+              <a:tabLst/>
+              <a:defRPr/>
+            </a:pPr>
+            <a:r>
+              <a:rPr kumimoji="1" lang="zh-CN" altLang="en-US" sz="1050" b="1" i="0" u="none" strike="noStrike" kern="1200" cap="none" spc="0" normalizeH="0" baseline="0" noProof="0" dirty="0">
+                <a:ln>
+                  <a:noFill/>
+                </a:ln>
+                <a:solidFill>
+                  <a:prstClr val="black"/>
+                </a:solidFill>
+                <a:effectLst/>
+                <a:uLnTx/>
+                <a:uFillTx/>
+                <a:latin typeface="宋体" panose="02010600030101010101" pitchFamily="2" charset="-122"/>
+                <a:ea typeface="宋体" panose="02010600030101010101" pitchFamily="2" charset="-122"/>
+                <a:cs typeface="+mn-cs"/>
+              </a:rPr>
+              <a:t>血氧检测</a:t>
+            </a:r>
+            <a:endParaRPr kumimoji="1" lang="en-US" altLang="zh-CN" sz="1050" b="1" i="0" u="none" strike="noStrike" kern="1200" cap="none" spc="0" normalizeH="0" baseline="0" noProof="0" dirty="0">
+              <a:ln>
+                <a:noFill/>
+              </a:ln>
+              <a:solidFill>
+                <a:prstClr val="black"/>
+              </a:solidFill>
+              <a:effectLst/>
+              <a:uLnTx/>
+              <a:uFillTx/>
+              <a:latin typeface="宋体" panose="02010600030101010101" pitchFamily="2" charset="-122"/>
+              <a:ea typeface="宋体" panose="02010600030101010101" pitchFamily="2" charset="-122"/>
+              <a:cs typeface="+mn-cs"/>
+            </a:endParaRPr>
+          </a:p>
+          <a:p>
+            <a:pPr marL="0" marR="0" lvl="0" indent="0" algn="ctr" defTabSz="914400" rtl="0" eaLnBrk="1" fontAlgn="auto" latinLnBrk="0" hangingPunct="1">
+              <a:lnSpc>
+                <a:spcPct val="100000"/>
+              </a:lnSpc>
+              <a:spcBef>
+                <a:spcPts val="0"/>
+              </a:spcBef>
+              <a:spcAft>
+                <a:spcPts val="0"/>
+              </a:spcAft>
+              <a:buClrTx/>
+              <a:buSzTx/>
+              <a:buFontTx/>
+              <a:buNone/>
+              <a:tabLst/>
+              <a:defRPr/>
+            </a:pPr>
+            <a:endParaRPr kumimoji="1" lang="en-US" altLang="zh-CN" sz="1200" b="1" i="0" u="none" strike="noStrike" kern="1200" cap="none" spc="0" normalizeH="0" baseline="0" noProof="0" dirty="0">
+              <a:ln>
+                <a:noFill/>
+              </a:ln>
+              <a:solidFill>
+                <a:prstClr val="white"/>
+              </a:solidFill>
+              <a:effectLst/>
+              <a:uLnTx/>
+              <a:uFillTx/>
+              <a:latin typeface="宋体" panose="02010600030101010101" pitchFamily="2" charset="-122"/>
+              <a:ea typeface="宋体" panose="02010600030101010101" pitchFamily="2" charset="-122"/>
+              <a:cs typeface="+mn-cs"/>
+            </a:endParaRPr>
+          </a:p>
+          <a:p>
+            <a:pPr marL="0" marR="0" lvl="0" indent="0" algn="ctr" defTabSz="914400" rtl="0" eaLnBrk="1" fontAlgn="auto" latinLnBrk="0" hangingPunct="1">
+              <a:lnSpc>
+                <a:spcPct val="100000"/>
+              </a:lnSpc>
+              <a:spcBef>
+                <a:spcPts val="0"/>
+              </a:spcBef>
+              <a:spcAft>
+                <a:spcPts val="0"/>
+              </a:spcAft>
+              <a:buClrTx/>
+              <a:buSzTx/>
+              <a:buFontTx/>
+              <a:buNone/>
+              <a:tabLst/>
+              <a:defRPr/>
+            </a:pPr>
+            <a:endParaRPr kumimoji="1" lang="en-US" altLang="zh-CN" sz="1100" b="1" i="0" u="none" strike="noStrike" kern="1200" cap="none" spc="0" normalizeH="0" baseline="0" noProof="0" dirty="0">
+              <a:ln>
+                <a:noFill/>
+              </a:ln>
+              <a:solidFill>
+                <a:prstClr val="black"/>
+              </a:solidFill>
+              <a:effectLst/>
+              <a:uLnTx/>
+              <a:uFillTx/>
+              <a:latin typeface="等线" panose="020F0502020204030204"/>
+              <a:ea typeface="等线" panose="02010600030101010101" pitchFamily="2" charset="-122"/>
+              <a:cs typeface="+mn-cs"/>
+            </a:endParaRPr>
+          </a:p>
+        </p:txBody>
+      </p:sp>
+      <p:sp>
+        <p:nvSpPr>
+          <p:cNvPr id="47" name="矩形 46">
+            <a:extLst>
+              <a:ext uri="{FF2B5EF4-FFF2-40B4-BE49-F238E27FC236}">
+                <a16:creationId xmlns:a16="http://schemas.microsoft.com/office/drawing/2014/main" id="{7AC872C7-F424-BDB2-F787-8674AFD4A5B0}"/>
+              </a:ext>
+            </a:extLst>
+          </p:cNvPr>
+          <p:cNvSpPr/>
+          <p:nvPr/>
+        </p:nvSpPr>
+        <p:spPr>
+          <a:xfrm>
+            <a:off x="4440455" y="1080075"/>
+            <a:ext cx="3311089" cy="253916"/>
+          </a:xfrm>
+          <a:prstGeom prst="rect">
+            <a:avLst/>
+          </a:prstGeom>
+        </p:spPr>
+        <p:txBody>
+          <a:bodyPr wrap="square">
+            <a:spAutoFit/>
+          </a:bodyPr>
+          <a:lstStyle/>
+          <a:p>
+            <a:pPr marL="0" marR="0" lvl="0" indent="0" algn="ctr" defTabSz="914400" rtl="0" eaLnBrk="1" fontAlgn="auto" latinLnBrk="0" hangingPunct="1">
+              <a:lnSpc>
+                <a:spcPct val="100000"/>
+              </a:lnSpc>
+              <a:spcBef>
+                <a:spcPts val="0"/>
+              </a:spcBef>
+              <a:spcAft>
+                <a:spcPts val="0"/>
+              </a:spcAft>
+              <a:buClrTx/>
+              <a:buSzTx/>
+              <a:buFontTx/>
+              <a:buNone/>
+              <a:tabLst/>
+              <a:defRPr/>
+            </a:pPr>
+            <a:r>
+              <a:rPr kumimoji="0" lang="zh-CN" altLang="en-US" sz="1050" b="1" i="0" u="none" strike="noStrike" kern="1200" cap="none" spc="0" normalizeH="0" baseline="0" noProof="0" dirty="0">
+                <a:ln>
+                  <a:noFill/>
+                </a:ln>
+                <a:solidFill>
+                  <a:prstClr val="black"/>
+                </a:solidFill>
+                <a:effectLst/>
+                <a:uLnTx/>
+                <a:uFillTx/>
+                <a:latin typeface="Times New Roman" panose="02020603050405020304" pitchFamily="18" charset="0"/>
+                <a:ea typeface="宋体" panose="02010600030101010101" pitchFamily="2" charset="-122"/>
+                <a:cs typeface="+mn-cs"/>
+              </a:rPr>
+              <a:t>在终端实现预警和反馈信息提示</a:t>
+            </a:r>
+            <a:endParaRPr kumimoji="0" lang="en-US" altLang="zh-CN" sz="1050" b="1" i="0" u="none" strike="noStrike" kern="1200" cap="none" spc="0" normalizeH="0" baseline="0" noProof="0" dirty="0">
+              <a:ln>
+                <a:noFill/>
+              </a:ln>
+              <a:solidFill>
+                <a:prstClr val="black"/>
+              </a:solidFill>
+              <a:effectLst/>
+              <a:uLnTx/>
+              <a:uFillTx/>
+              <a:latin typeface="Times New Roman" panose="02020603050405020304" pitchFamily="18" charset="0"/>
+              <a:ea typeface="宋体" panose="02010600030101010101" pitchFamily="2" charset="-122"/>
+              <a:cs typeface="+mn-cs"/>
+            </a:endParaRPr>
+          </a:p>
+        </p:txBody>
+      </p:sp>
+      <p:sp>
+        <p:nvSpPr>
+          <p:cNvPr id="48" name="矩形 47">
+            <a:extLst>
+              <a:ext uri="{FF2B5EF4-FFF2-40B4-BE49-F238E27FC236}">
+                <a16:creationId xmlns:a16="http://schemas.microsoft.com/office/drawing/2014/main" id="{01921236-C5CA-2EC4-F7DC-807157C3BE1C}"/>
+              </a:ext>
+            </a:extLst>
+          </p:cNvPr>
+          <p:cNvSpPr/>
+          <p:nvPr/>
+        </p:nvSpPr>
+        <p:spPr>
+          <a:xfrm>
+            <a:off x="88777" y="1091953"/>
+            <a:ext cx="4779262" cy="4249030"/>
+          </a:xfrm>
+          <a:prstGeom prst="rect">
+            <a:avLst/>
+          </a:prstGeom>
+          <a:noFill/>
+          <a:ln w="28575">
+            <a:solidFill>
+              <a:schemeClr val="tx1"/>
+            </a:solidFill>
+          </a:ln>
+        </p:spPr>
+        <p:style>
+          <a:lnRef idx="2">
+            <a:schemeClr val="accent1">
+              <a:shade val="50000"/>
+            </a:schemeClr>
+          </a:lnRef>
+          <a:fillRef idx="1">
+            <a:schemeClr val="accent1"/>
+          </a:fillRef>
+          <a:effectRef idx="0">
+            <a:schemeClr val="accent1"/>
+          </a:effectRef>
+          <a:fontRef idx="minor">
+            <a:schemeClr val="lt1"/>
+          </a:fontRef>
+        </p:style>
+        <p:txBody>
+          <a:bodyPr rtlCol="0" anchor="ctr"/>
+          <a:lstStyle/>
+          <a:p>
+            <a:pPr marL="0" marR="0" lvl="0" indent="0" algn="ctr" defTabSz="914400" rtl="0" eaLnBrk="1" fontAlgn="auto" latinLnBrk="0" hangingPunct="1">
+              <a:lnSpc>
+                <a:spcPct val="100000"/>
+              </a:lnSpc>
+              <a:spcBef>
+                <a:spcPts val="0"/>
+              </a:spcBef>
+              <a:spcAft>
+                <a:spcPts val="0"/>
+              </a:spcAft>
+              <a:buClrTx/>
+              <a:buSzTx/>
+              <a:buFontTx/>
+              <a:buNone/>
+              <a:tabLst/>
+              <a:defRPr/>
+            </a:pPr>
+            <a:endParaRPr kumimoji="0" lang="zh-CN" altLang="en-US" sz="1800" b="0" i="0" u="none" strike="noStrike" kern="1200" cap="none" spc="0" normalizeH="0" baseline="0" noProof="0">
+              <a:ln>
+                <a:noFill/>
+              </a:ln>
+              <a:solidFill>
+                <a:prstClr val="white"/>
+              </a:solidFill>
+              <a:effectLst/>
+              <a:uLnTx/>
+              <a:uFillTx/>
+              <a:latin typeface="等线" panose="020F0502020204030204"/>
+              <a:ea typeface="等线" panose="02010600030101010101" pitchFamily="2" charset="-122"/>
+              <a:cs typeface="+mn-cs"/>
+            </a:endParaRPr>
+          </a:p>
+        </p:txBody>
+      </p:sp>
+      <p:pic>
+        <p:nvPicPr>
+          <p:cNvPr id="7" name="Picture 4">
+            <a:extLst>
+              <a:ext uri="{FF2B5EF4-FFF2-40B4-BE49-F238E27FC236}">
+                <a16:creationId xmlns:a16="http://schemas.microsoft.com/office/drawing/2014/main" id="{8ADD4458-8B0E-815A-48D1-E84BB0768FA5}"/>
+              </a:ext>
+            </a:extLst>
+          </p:cNvPr>
+          <p:cNvPicPr>
+            <a:picLocks noChangeAspect="1" noChangeArrowheads="1"/>
+          </p:cNvPicPr>
+          <p:nvPr/>
+        </p:nvPicPr>
+        <p:blipFill>
+          <a:blip r:embed="rId11">
+            <a:extLst>
+              <a:ext uri="{28A0092B-C50C-407E-A947-70E740481C1C}">
+                <a14:useLocalDpi xmlns:a14="http://schemas.microsoft.com/office/drawing/2010/main" val="0"/>
+              </a:ext>
+            </a:extLst>
+          </a:blip>
+          <a:srcRect/>
+          <a:stretch>
+            <a:fillRect/>
+          </a:stretch>
+        </p:blipFill>
+        <p:spPr bwMode="auto">
+          <a:xfrm>
+            <a:off x="9164741" y="3279651"/>
+            <a:ext cx="2774830" cy="2175998"/>
+          </a:xfrm>
+          <a:prstGeom prst="rect">
+            <a:avLst/>
+          </a:prstGeom>
+          <a:noFill/>
+          <a:extLst>
+            <a:ext uri="{909E8E84-426E-40DD-AFC4-6F175D3DCCD1}">
+              <a14:hiddenFill xmlns:a14="http://schemas.microsoft.com/office/drawing/2010/main">
+                <a:solidFill>
+                  <a:srgbClr val="FFFFFF"/>
+                </a:solidFill>
+              </a14:hiddenFill>
+            </a:ext>
+          </a:extLst>
+        </p:spPr>
+      </p:pic>
+      <p:cxnSp>
+        <p:nvCxnSpPr>
+          <p:cNvPr id="55" name="直线连接符 5">
+            <a:extLst>
+              <a:ext uri="{FF2B5EF4-FFF2-40B4-BE49-F238E27FC236}">
+                <a16:creationId xmlns:a16="http://schemas.microsoft.com/office/drawing/2014/main" id="{E1AB85B8-0600-8059-810C-E5F9F5081BD4}"/>
+              </a:ext>
+            </a:extLst>
+          </p:cNvPr>
+          <p:cNvCxnSpPr>
+            <a:cxnSpLocks/>
+          </p:cNvCxnSpPr>
+          <p:nvPr/>
+        </p:nvCxnSpPr>
+        <p:spPr>
+          <a:xfrm flipV="1">
+            <a:off x="2458496" y="1793779"/>
+            <a:ext cx="4614851" cy="0"/>
+          </a:xfrm>
+          <a:prstGeom prst="line">
+            <a:avLst/>
+          </a:prstGeom>
+          <a:ln w="19050">
+            <a:solidFill>
+              <a:schemeClr val="tx1"/>
+            </a:solidFill>
+          </a:ln>
+        </p:spPr>
+        <p:style>
+          <a:lnRef idx="1">
+            <a:schemeClr val="accent1"/>
+          </a:lnRef>
+          <a:fillRef idx="0">
+            <a:schemeClr val="accent1"/>
+          </a:fillRef>
+          <a:effectRef idx="0">
+            <a:schemeClr val="accent1"/>
+          </a:effectRef>
+          <a:fontRef idx="minor">
+            <a:schemeClr val="tx1"/>
+          </a:fontRef>
+        </p:style>
+      </p:cxnSp>
+      <p:cxnSp>
+        <p:nvCxnSpPr>
+          <p:cNvPr id="56" name="直线连接符 5">
+            <a:extLst>
+              <a:ext uri="{FF2B5EF4-FFF2-40B4-BE49-F238E27FC236}">
+                <a16:creationId xmlns:a16="http://schemas.microsoft.com/office/drawing/2014/main" id="{E47CD049-3F0A-3816-18BA-67EA8D9DABF3}"/>
+              </a:ext>
+            </a:extLst>
+          </p:cNvPr>
+          <p:cNvCxnSpPr>
+            <a:cxnSpLocks/>
+          </p:cNvCxnSpPr>
+          <p:nvPr/>
+        </p:nvCxnSpPr>
+        <p:spPr>
+          <a:xfrm flipV="1">
+            <a:off x="2361469" y="3759258"/>
+            <a:ext cx="1165815" cy="0"/>
+          </a:xfrm>
+          <a:prstGeom prst="line">
+            <a:avLst/>
+          </a:prstGeom>
+          <a:ln/>
+        </p:spPr>
+        <p:style>
+          <a:lnRef idx="3">
+            <a:schemeClr val="dk1"/>
+          </a:lnRef>
+          <a:fillRef idx="0">
+            <a:schemeClr val="dk1"/>
+          </a:fillRef>
+          <a:effectRef idx="2">
+            <a:schemeClr val="dk1"/>
+          </a:effectRef>
+          <a:fontRef idx="minor">
+            <a:schemeClr val="tx1"/>
+          </a:fontRef>
+        </p:style>
+      </p:cxnSp>
+      <p:sp>
+        <p:nvSpPr>
+          <p:cNvPr id="64" name="文本框 63">
+            <a:extLst>
+              <a:ext uri="{FF2B5EF4-FFF2-40B4-BE49-F238E27FC236}">
+                <a16:creationId xmlns:a16="http://schemas.microsoft.com/office/drawing/2014/main" id="{2CAD5880-7ABA-3FE9-CBBA-5DD711119823}"/>
+              </a:ext>
+            </a:extLst>
+          </p:cNvPr>
+          <p:cNvSpPr txBox="1"/>
+          <p:nvPr/>
+        </p:nvSpPr>
+        <p:spPr>
+          <a:xfrm>
+            <a:off x="4637409" y="2280122"/>
+            <a:ext cx="2204997" cy="261610"/>
+          </a:xfrm>
+          <a:prstGeom prst="rect">
+            <a:avLst/>
+          </a:prstGeom>
+          <a:noFill/>
+        </p:spPr>
+        <p:txBody>
+          <a:bodyPr wrap="square" rtlCol="0">
+            <a:spAutoFit/>
+          </a:bodyPr>
+          <a:lstStyle/>
+          <a:p>
+            <a:pPr marL="0" marR="0" lvl="0" indent="0" algn="ctr" defTabSz="914400" rtl="0" eaLnBrk="1" fontAlgn="auto" latinLnBrk="0" hangingPunct="1">
+              <a:lnSpc>
+                <a:spcPct val="100000"/>
+              </a:lnSpc>
+              <a:spcBef>
+                <a:spcPts val="0"/>
+              </a:spcBef>
+              <a:spcAft>
+                <a:spcPts val="0"/>
+              </a:spcAft>
+              <a:buClrTx/>
+              <a:buSzTx/>
+              <a:buFontTx/>
+              <a:buNone/>
+              <a:tabLst/>
+              <a:defRPr/>
+            </a:pPr>
+            <a:r>
+              <a:rPr kumimoji="0" lang="zh-CN" altLang="en-US" sz="1050" b="1" i="0" u="none" strike="noStrike" kern="1200" cap="none" spc="0" normalizeH="0" baseline="0" noProof="0" dirty="0">
+                <a:ln>
+                  <a:noFill/>
+                </a:ln>
+                <a:solidFill>
+                  <a:prstClr val="black"/>
+                </a:solidFill>
+                <a:effectLst/>
+                <a:uLnTx/>
+                <a:uFillTx/>
+                <a:latin typeface="Times New Roman" panose="02020603050405020304" pitchFamily="18" charset="0"/>
+                <a:ea typeface="宋体" panose="02010600030101010101" pitchFamily="2" charset="-122"/>
+                <a:cs typeface="+mn-cs"/>
+              </a:rPr>
+              <a:t>传输至云端服务器</a:t>
+            </a:r>
+          </a:p>
+        </p:txBody>
+      </p:sp>
+      <p:cxnSp>
+        <p:nvCxnSpPr>
+          <p:cNvPr id="68" name="直接连接符 67">
+            <a:extLst>
+              <a:ext uri="{FF2B5EF4-FFF2-40B4-BE49-F238E27FC236}">
+                <a16:creationId xmlns:a16="http://schemas.microsoft.com/office/drawing/2014/main" id="{C95D75C7-DEFC-E2DE-EB2A-C949F47E760F}"/>
+              </a:ext>
+            </a:extLst>
+          </p:cNvPr>
+          <p:cNvCxnSpPr>
+            <a:cxnSpLocks/>
+            <a:endCxn id="20" idx="0"/>
+          </p:cNvCxnSpPr>
+          <p:nvPr/>
+        </p:nvCxnSpPr>
+        <p:spPr>
+          <a:xfrm>
+            <a:off x="7698673" y="1377230"/>
+            <a:ext cx="0" cy="285713"/>
+          </a:xfrm>
+          <a:prstGeom prst="line">
+            <a:avLst/>
+          </a:prstGeom>
+          <a:ln w="19050">
+            <a:solidFill>
+              <a:schemeClr val="tx1"/>
+            </a:solidFill>
+          </a:ln>
+        </p:spPr>
+        <p:style>
+          <a:lnRef idx="1">
+            <a:schemeClr val="accent1"/>
+          </a:lnRef>
+          <a:fillRef idx="0">
+            <a:schemeClr val="accent1"/>
+          </a:fillRef>
+          <a:effectRef idx="0">
+            <a:schemeClr val="accent1"/>
+          </a:effectRef>
+          <a:fontRef idx="minor">
+            <a:schemeClr val="tx1"/>
+          </a:fontRef>
+        </p:style>
+      </p:cxnSp>
+      <p:sp>
+        <p:nvSpPr>
+          <p:cNvPr id="71" name="矩形 70">
+            <a:extLst>
+              <a:ext uri="{FF2B5EF4-FFF2-40B4-BE49-F238E27FC236}">
+                <a16:creationId xmlns:a16="http://schemas.microsoft.com/office/drawing/2014/main" id="{B174EB33-90A1-ECB1-BE9F-A8A5595E5FAB}"/>
+              </a:ext>
+            </a:extLst>
+          </p:cNvPr>
+          <p:cNvSpPr/>
+          <p:nvPr/>
+        </p:nvSpPr>
+        <p:spPr>
+          <a:xfrm>
+            <a:off x="6277498" y="3001520"/>
+            <a:ext cx="2172091" cy="2339463"/>
+          </a:xfrm>
+          <a:prstGeom prst="rect">
+            <a:avLst/>
+          </a:prstGeom>
+          <a:noFill/>
+          <a:ln w="28575">
+            <a:solidFill>
+              <a:schemeClr val="tx1"/>
+            </a:solidFill>
+          </a:ln>
+        </p:spPr>
+        <p:style>
+          <a:lnRef idx="2">
+            <a:schemeClr val="accent1">
+              <a:shade val="50000"/>
+            </a:schemeClr>
+          </a:lnRef>
+          <a:fillRef idx="1">
+            <a:schemeClr val="accent1"/>
+          </a:fillRef>
+          <a:effectRef idx="0">
+            <a:schemeClr val="accent1"/>
+          </a:effectRef>
+          <a:fontRef idx="minor">
+            <a:schemeClr val="lt1"/>
+          </a:fontRef>
+        </p:style>
+        <p:txBody>
+          <a:bodyPr rtlCol="0" anchor="ctr"/>
+          <a:lstStyle/>
+          <a:p>
+            <a:pPr marL="0" marR="0" lvl="0" indent="0" algn="ctr" defTabSz="914400" rtl="0" eaLnBrk="1" fontAlgn="auto" latinLnBrk="0" hangingPunct="1">
+              <a:lnSpc>
+                <a:spcPct val="100000"/>
+              </a:lnSpc>
+              <a:spcBef>
+                <a:spcPts val="0"/>
+              </a:spcBef>
+              <a:spcAft>
+                <a:spcPts val="0"/>
+              </a:spcAft>
+              <a:buClrTx/>
+              <a:buSzTx/>
+              <a:buFontTx/>
+              <a:buNone/>
+              <a:tabLst/>
+              <a:defRPr/>
+            </a:pPr>
+            <a:endParaRPr kumimoji="0" lang="zh-CN" altLang="en-US" sz="1800" b="0" i="0" u="none" strike="noStrike" kern="1200" cap="none" spc="0" normalizeH="0" baseline="0" noProof="0">
+              <a:ln>
+                <a:noFill/>
+              </a:ln>
+              <a:solidFill>
+                <a:prstClr val="white"/>
+              </a:solidFill>
+              <a:effectLst/>
+              <a:uLnTx/>
+              <a:uFillTx/>
+              <a:latin typeface="等线" panose="020F0502020204030204"/>
+              <a:ea typeface="等线" panose="02010600030101010101" pitchFamily="2" charset="-122"/>
+              <a:cs typeface="+mn-cs"/>
+            </a:endParaRPr>
+          </a:p>
+        </p:txBody>
+      </p:sp>
+      <p:sp>
+        <p:nvSpPr>
+          <p:cNvPr id="78" name="矩形 77">
+            <a:extLst>
+              <a:ext uri="{FF2B5EF4-FFF2-40B4-BE49-F238E27FC236}">
+                <a16:creationId xmlns:a16="http://schemas.microsoft.com/office/drawing/2014/main" id="{B4C0F077-B32D-C984-EE00-C64ECAEF3D37}"/>
+              </a:ext>
+            </a:extLst>
+          </p:cNvPr>
+          <p:cNvSpPr/>
+          <p:nvPr/>
+        </p:nvSpPr>
+        <p:spPr>
+          <a:xfrm>
+            <a:off x="9445704" y="1119743"/>
+            <a:ext cx="723275" cy="253916"/>
+          </a:xfrm>
+          <a:prstGeom prst="rect">
+            <a:avLst/>
+          </a:prstGeom>
+        </p:spPr>
+        <p:txBody>
+          <a:bodyPr wrap="none">
+            <a:spAutoFit/>
+          </a:bodyPr>
+          <a:lstStyle/>
+          <a:p>
+            <a:pPr marL="0" marR="0" lvl="0" indent="0" algn="ctr" defTabSz="914400" rtl="0" eaLnBrk="1" fontAlgn="auto" latinLnBrk="0" hangingPunct="1">
+              <a:lnSpc>
+                <a:spcPct val="100000"/>
+              </a:lnSpc>
+              <a:spcBef>
+                <a:spcPts val="0"/>
+              </a:spcBef>
+              <a:spcAft>
+                <a:spcPts val="0"/>
+              </a:spcAft>
+              <a:buClrTx/>
+              <a:buSzTx/>
+              <a:buFontTx/>
+              <a:buNone/>
+              <a:tabLst/>
+              <a:defRPr/>
+            </a:pPr>
+            <a:r>
+              <a:rPr kumimoji="0" lang="zh-CN" altLang="zh-CN" sz="1050" b="1" i="0" u="none" strike="noStrike" kern="1200" cap="none" spc="0" normalizeH="0" baseline="0" noProof="0" dirty="0">
+                <a:ln>
+                  <a:noFill/>
+                </a:ln>
+                <a:solidFill>
+                  <a:prstClr val="black"/>
+                </a:solidFill>
+                <a:effectLst/>
+                <a:uLnTx/>
+                <a:uFillTx/>
+                <a:latin typeface="Times New Roman" panose="02020603050405020304" pitchFamily="18" charset="0"/>
+                <a:ea typeface="宋体" panose="02010600030101010101" pitchFamily="2" charset="-122"/>
+                <a:cs typeface="+mn-cs"/>
+              </a:rPr>
+              <a:t>预警处理</a:t>
+            </a:r>
+          </a:p>
+        </p:txBody>
+      </p:sp>
+      <p:sp>
+        <p:nvSpPr>
+          <p:cNvPr id="79" name="矩形 78">
+            <a:extLst>
+              <a:ext uri="{FF2B5EF4-FFF2-40B4-BE49-F238E27FC236}">
+                <a16:creationId xmlns:a16="http://schemas.microsoft.com/office/drawing/2014/main" id="{19ABF60E-0F3B-2993-DE3B-2E5FA50D0518}"/>
+              </a:ext>
+            </a:extLst>
+          </p:cNvPr>
+          <p:cNvSpPr/>
+          <p:nvPr/>
+        </p:nvSpPr>
+        <p:spPr>
+          <a:xfrm>
+            <a:off x="6377093" y="2904659"/>
+            <a:ext cx="1165680" cy="276999"/>
+          </a:xfrm>
+          <a:prstGeom prst="rect">
+            <a:avLst/>
+          </a:prstGeom>
+          <a:solidFill>
+            <a:schemeClr val="bg1"/>
+          </a:solidFill>
+          <a:ln w="19050">
+            <a:solidFill>
+              <a:schemeClr val="tx1"/>
+            </a:solidFill>
+          </a:ln>
+        </p:spPr>
+        <p:txBody>
+          <a:bodyPr wrap="square">
+            <a:spAutoFit/>
+          </a:bodyPr>
+          <a:lstStyle/>
+          <a:p>
+            <a:pPr marL="0" marR="0" lvl="0" indent="0" algn="ctr" defTabSz="914400" rtl="0" eaLnBrk="1" fontAlgn="auto" latinLnBrk="0" hangingPunct="1">
+              <a:lnSpc>
+                <a:spcPct val="100000"/>
+              </a:lnSpc>
+              <a:spcBef>
+                <a:spcPts val="0"/>
+              </a:spcBef>
+              <a:spcAft>
+                <a:spcPts val="0"/>
+              </a:spcAft>
+              <a:buClrTx/>
+              <a:buSzTx/>
+              <a:buFontTx/>
+              <a:buNone/>
+              <a:tabLst/>
+              <a:defRPr/>
+            </a:pPr>
+            <a:r>
+              <a:rPr kumimoji="1" lang="zh-CN" altLang="en-US" sz="1200" b="1" i="0" u="none" strike="noStrike" kern="1200" cap="none" spc="0" normalizeH="0" baseline="0" noProof="0" dirty="0">
+                <a:ln>
+                  <a:noFill/>
+                </a:ln>
+                <a:solidFill>
+                  <a:prstClr val="black"/>
+                </a:solidFill>
+                <a:effectLst/>
+                <a:uLnTx/>
+                <a:uFillTx/>
+                <a:latin typeface="宋体" panose="02010600030101010101" pitchFamily="2" charset="-122"/>
+                <a:ea typeface="宋体" panose="02010600030101010101" pitchFamily="2" charset="-122"/>
+                <a:cs typeface="+mn-cs"/>
+              </a:rPr>
+              <a:t>运算处理层</a:t>
+            </a:r>
+            <a:endParaRPr kumimoji="1" lang="en-US" altLang="zh-CN" sz="1200" b="1" i="0" u="none" strike="noStrike" kern="1200" cap="none" spc="0" normalizeH="0" baseline="0" noProof="0" dirty="0">
+              <a:ln>
+                <a:noFill/>
+              </a:ln>
+              <a:solidFill>
+                <a:prstClr val="black"/>
+              </a:solidFill>
+              <a:effectLst/>
+              <a:uLnTx/>
+              <a:uFillTx/>
+              <a:latin typeface="宋体" panose="02010600030101010101" pitchFamily="2" charset="-122"/>
+              <a:ea typeface="宋体" panose="02010600030101010101" pitchFamily="2" charset="-122"/>
+              <a:cs typeface="+mn-cs"/>
+            </a:endParaRPr>
+          </a:p>
+        </p:txBody>
+      </p:sp>
+      <p:cxnSp>
+        <p:nvCxnSpPr>
+          <p:cNvPr id="83" name="直接箭头连接符 82">
+            <a:extLst>
+              <a:ext uri="{FF2B5EF4-FFF2-40B4-BE49-F238E27FC236}">
+                <a16:creationId xmlns:a16="http://schemas.microsoft.com/office/drawing/2014/main" id="{1EB1AEAC-061C-B7F9-5E81-219E15DAD430}"/>
+              </a:ext>
+            </a:extLst>
+          </p:cNvPr>
+          <p:cNvCxnSpPr>
+            <a:cxnSpLocks/>
+          </p:cNvCxnSpPr>
+          <p:nvPr/>
+        </p:nvCxnSpPr>
+        <p:spPr>
+          <a:xfrm>
+            <a:off x="8483231" y="4169420"/>
+            <a:ext cx="1061558" cy="0"/>
+          </a:xfrm>
+          <a:prstGeom prst="straightConnector1">
+            <a:avLst/>
+          </a:prstGeom>
+          <a:ln w="19050">
+            <a:solidFill>
+              <a:schemeClr val="tx1"/>
+            </a:solidFill>
+            <a:tailEnd type="triangle"/>
+          </a:ln>
+        </p:spPr>
+        <p:style>
+          <a:lnRef idx="1">
+            <a:schemeClr val="accent1"/>
+          </a:lnRef>
+          <a:fillRef idx="0">
+            <a:schemeClr val="accent1"/>
+          </a:fillRef>
+          <a:effectRef idx="0">
+            <a:schemeClr val="accent1"/>
+          </a:effectRef>
+          <a:fontRef idx="minor">
+            <a:schemeClr val="tx1"/>
+          </a:fontRef>
+        </p:style>
+      </p:cxnSp>
+      <p:pic>
+        <p:nvPicPr>
+          <p:cNvPr id="52" name="图形 51" descr="Wi-Fi 轮廓">
+            <a:extLst>
+              <a:ext uri="{FF2B5EF4-FFF2-40B4-BE49-F238E27FC236}">
+                <a16:creationId xmlns:a16="http://schemas.microsoft.com/office/drawing/2014/main" id="{FCE18406-61C4-0A2F-6175-A63781F234B8}"/>
+              </a:ext>
+            </a:extLst>
+          </p:cNvPr>
+          <p:cNvPicPr>
+            <a:picLocks noChangeAspect="1"/>
+          </p:cNvPicPr>
+          <p:nvPr/>
+        </p:nvPicPr>
+        <p:blipFill>
+          <a:blip r:embed="rId3">
+            <a:extLst>
+              <a:ext uri="{96DAC541-7B7A-43D3-8B79-37D633B846F1}">
+                <asvg:svgBlip xmlns:asvg="http://schemas.microsoft.com/office/drawing/2016/SVG/main" r:embed="rId4"/>
+              </a:ext>
+            </a:extLst>
+          </a:blip>
+          <a:stretch>
+            <a:fillRect/>
+          </a:stretch>
+        </p:blipFill>
+        <p:spPr>
+          <a:xfrm rot="5400000">
+            <a:off x="3990043" y="2539380"/>
+            <a:ext cx="463568" cy="540000"/>
+          </a:xfrm>
+          <a:prstGeom prst="rect">
+            <a:avLst/>
+          </a:prstGeom>
+        </p:spPr>
+      </p:pic>
+      <p:sp>
+        <p:nvSpPr>
+          <p:cNvPr id="57" name="矩形 56">
+            <a:extLst>
+              <a:ext uri="{FF2B5EF4-FFF2-40B4-BE49-F238E27FC236}">
+                <a16:creationId xmlns:a16="http://schemas.microsoft.com/office/drawing/2014/main" id="{15B439EB-EF40-478D-94EF-77F089453564}"/>
+              </a:ext>
+            </a:extLst>
+          </p:cNvPr>
+          <p:cNvSpPr/>
+          <p:nvPr/>
+        </p:nvSpPr>
+        <p:spPr>
+          <a:xfrm>
+            <a:off x="346389" y="1361835"/>
+            <a:ext cx="1352506" cy="276999"/>
+          </a:xfrm>
+          <a:prstGeom prst="rect">
+            <a:avLst/>
+          </a:prstGeom>
+        </p:spPr>
+        <p:txBody>
+          <a:bodyPr wrap="square">
+            <a:spAutoFit/>
+          </a:bodyPr>
+          <a:lstStyle/>
+          <a:p>
+            <a:pPr marL="0" marR="0" lvl="0" indent="0" algn="ctr" defTabSz="914400" rtl="0" eaLnBrk="1" fontAlgn="auto" latinLnBrk="0" hangingPunct="1">
+              <a:lnSpc>
+                <a:spcPct val="100000"/>
+              </a:lnSpc>
+              <a:spcBef>
+                <a:spcPts val="0"/>
+              </a:spcBef>
+              <a:spcAft>
+                <a:spcPts val="0"/>
+              </a:spcAft>
+              <a:buClrTx/>
+              <a:buSzTx/>
+              <a:buFontTx/>
+              <a:buNone/>
+              <a:tabLst/>
+              <a:defRPr/>
+            </a:pPr>
+            <a:r>
+              <a:rPr kumimoji="1" lang="zh-CN" altLang="en-US" sz="1200" b="1" i="0" u="none" strike="noStrike" kern="1200" cap="none" spc="0" normalizeH="0" baseline="0" noProof="0" dirty="0">
+                <a:ln>
+                  <a:noFill/>
+                </a:ln>
+                <a:solidFill>
+                  <a:prstClr val="black"/>
+                </a:solidFill>
+                <a:effectLst/>
+                <a:uLnTx/>
+                <a:uFillTx/>
+                <a:latin typeface="宋体" panose="02010600030101010101" pitchFamily="2" charset="-122"/>
+                <a:ea typeface="宋体" panose="02010600030101010101" pitchFamily="2" charset="-122"/>
+                <a:cs typeface="+mn-cs"/>
+              </a:rPr>
+              <a:t>智能可穿戴设备</a:t>
+            </a:r>
+          </a:p>
+        </p:txBody>
+      </p:sp>
+      <p:sp>
+        <p:nvSpPr>
+          <p:cNvPr id="8" name="矩形 7">
+            <a:extLst>
+              <a:ext uri="{FF2B5EF4-FFF2-40B4-BE49-F238E27FC236}">
+                <a16:creationId xmlns:a16="http://schemas.microsoft.com/office/drawing/2014/main" id="{243504C8-DF35-7A04-5D94-7F886720433D}"/>
+              </a:ext>
+            </a:extLst>
+          </p:cNvPr>
+          <p:cNvSpPr/>
+          <p:nvPr/>
+        </p:nvSpPr>
+        <p:spPr>
+          <a:xfrm>
+            <a:off x="642850" y="2760369"/>
+            <a:ext cx="1112104" cy="261610"/>
+          </a:xfrm>
+          <a:prstGeom prst="rect">
+            <a:avLst/>
+          </a:prstGeom>
+        </p:spPr>
+        <p:txBody>
+          <a:bodyPr wrap="square">
+            <a:spAutoFit/>
+          </a:bodyPr>
+          <a:lstStyle/>
+          <a:p>
+            <a:pPr marL="0" marR="0" lvl="0" indent="0" algn="ctr" defTabSz="914400" rtl="0" eaLnBrk="1" fontAlgn="auto" latinLnBrk="0" hangingPunct="1">
+              <a:lnSpc>
+                <a:spcPct val="100000"/>
+              </a:lnSpc>
+              <a:spcBef>
+                <a:spcPts val="0"/>
+              </a:spcBef>
+              <a:spcAft>
+                <a:spcPts val="0"/>
+              </a:spcAft>
+              <a:buClrTx/>
+              <a:buSzTx/>
+              <a:buFontTx/>
+              <a:buNone/>
+              <a:tabLst/>
+              <a:defRPr/>
+            </a:pPr>
+            <a:r>
+              <a:rPr kumimoji="0" lang="zh-CN" altLang="en-US" sz="1050" b="1" i="0" u="none" strike="noStrike" kern="1200" cap="none" spc="0" normalizeH="0" baseline="0" noProof="0" dirty="0">
+                <a:ln>
+                  <a:noFill/>
+                </a:ln>
+                <a:solidFill>
+                  <a:prstClr val="black"/>
+                </a:solidFill>
+                <a:effectLst/>
+                <a:uLnTx/>
+                <a:uFillTx/>
+                <a:latin typeface="宋体" panose="02010600030101010101" pitchFamily="2" charset="-122"/>
+                <a:ea typeface="宋体" panose="02010600030101010101" pitchFamily="2" charset="-122"/>
+                <a:cs typeface="+mn-cs"/>
+              </a:rPr>
+              <a:t>智能</a:t>
+            </a:r>
+            <a:r>
+              <a:rPr kumimoji="0" lang="zh-CN" altLang="en-US" sz="1050" b="1" i="0" u="none" strike="noStrike" kern="1200" cap="none" spc="0" normalizeH="0" baseline="0" noProof="0" dirty="0">
+                <a:ln>
+                  <a:noFill/>
+                </a:ln>
+                <a:solidFill>
+                  <a:prstClr val="black"/>
+                </a:solidFill>
+                <a:effectLst/>
+                <a:uLnTx/>
+                <a:uFillTx/>
+                <a:latin typeface="等线" panose="020F0502020204030204"/>
+                <a:ea typeface="等线" panose="02010600030101010101" pitchFamily="2" charset="-122"/>
+                <a:cs typeface="+mn-cs"/>
+              </a:rPr>
+              <a:t>手表</a:t>
+            </a:r>
+          </a:p>
+        </p:txBody>
+      </p:sp>
+      <p:sp>
+        <p:nvSpPr>
+          <p:cNvPr id="14" name="矩形 13">
+            <a:extLst>
+              <a:ext uri="{FF2B5EF4-FFF2-40B4-BE49-F238E27FC236}">
+                <a16:creationId xmlns:a16="http://schemas.microsoft.com/office/drawing/2014/main" id="{949D270C-4188-8E57-8449-3782E94DBABD}"/>
+              </a:ext>
+            </a:extLst>
+          </p:cNvPr>
+          <p:cNvSpPr/>
+          <p:nvPr/>
+        </p:nvSpPr>
+        <p:spPr>
+          <a:xfrm>
+            <a:off x="679759" y="4714238"/>
+            <a:ext cx="1112104" cy="253916"/>
+          </a:xfrm>
+          <a:prstGeom prst="rect">
+            <a:avLst/>
+          </a:prstGeom>
+        </p:spPr>
+        <p:txBody>
+          <a:bodyPr wrap="square">
+            <a:spAutoFit/>
+          </a:bodyPr>
+          <a:lstStyle/>
+          <a:p>
+            <a:pPr marL="0" marR="0" lvl="0" indent="0" algn="ctr" defTabSz="914400" rtl="0" eaLnBrk="1" fontAlgn="auto" latinLnBrk="0" hangingPunct="1">
+              <a:lnSpc>
+                <a:spcPct val="100000"/>
+              </a:lnSpc>
+              <a:spcBef>
+                <a:spcPts val="0"/>
+              </a:spcBef>
+              <a:spcAft>
+                <a:spcPts val="0"/>
+              </a:spcAft>
+              <a:buClrTx/>
+              <a:buSzTx/>
+              <a:buFontTx/>
+              <a:buNone/>
+              <a:tabLst/>
+              <a:defRPr/>
+            </a:pPr>
+            <a:r>
+              <a:rPr kumimoji="0" lang="en-US" altLang="zh-CN" sz="1050" b="1" i="0" u="none" strike="noStrike" kern="1200" cap="none" spc="0" normalizeH="0" baseline="0" noProof="0" dirty="0">
+                <a:ln>
+                  <a:noFill/>
+                </a:ln>
+                <a:solidFill>
+                  <a:prstClr val="black"/>
+                </a:solidFill>
+                <a:effectLst/>
+                <a:uLnTx/>
+                <a:uFillTx/>
+                <a:latin typeface="Times New Roman" panose="02020603050405020304" pitchFamily="18" charset="0"/>
+                <a:ea typeface="宋体" panose="02010600030101010101" pitchFamily="2" charset="-122"/>
+                <a:cs typeface="+mn-cs"/>
+              </a:rPr>
+              <a:t>IMU</a:t>
+            </a:r>
+            <a:r>
+              <a:rPr kumimoji="0" lang="zh-CN" altLang="en-US" sz="1050" b="1" i="0" u="none" strike="noStrike" kern="1200" cap="none" spc="0" normalizeH="0" baseline="0" noProof="0" dirty="0">
+                <a:ln>
+                  <a:noFill/>
+                </a:ln>
+                <a:solidFill>
+                  <a:prstClr val="black"/>
+                </a:solidFill>
+                <a:effectLst/>
+                <a:uLnTx/>
+                <a:uFillTx/>
+                <a:latin typeface="Times New Roman" panose="02020603050405020304" pitchFamily="18" charset="0"/>
+                <a:ea typeface="宋体" panose="02010600030101010101" pitchFamily="2" charset="-122"/>
+                <a:cs typeface="+mn-cs"/>
+              </a:rPr>
+              <a:t>传感器</a:t>
+            </a:r>
+          </a:p>
+        </p:txBody>
+      </p:sp>
+      <p:sp>
+        <p:nvSpPr>
+          <p:cNvPr id="18" name="文本框 17">
+            <a:extLst>
+              <a:ext uri="{FF2B5EF4-FFF2-40B4-BE49-F238E27FC236}">
+                <a16:creationId xmlns:a16="http://schemas.microsoft.com/office/drawing/2014/main" id="{49860940-74C7-ACC7-F52B-DBB2B288CE53}"/>
+              </a:ext>
+            </a:extLst>
+          </p:cNvPr>
+          <p:cNvSpPr txBox="1"/>
+          <p:nvPr/>
+        </p:nvSpPr>
+        <p:spPr>
+          <a:xfrm>
+            <a:off x="2492661" y="2280122"/>
+            <a:ext cx="890824" cy="253916"/>
+          </a:xfrm>
+          <a:prstGeom prst="rect">
+            <a:avLst/>
+          </a:prstGeom>
+          <a:noFill/>
+        </p:spPr>
+        <p:txBody>
+          <a:bodyPr wrap="square">
+            <a:spAutoFit/>
+          </a:bodyPr>
+          <a:lstStyle/>
+          <a:p>
+            <a:pPr marL="0" marR="0" lvl="0" indent="0" algn="ctr" defTabSz="914400" rtl="0" eaLnBrk="1" fontAlgn="auto" latinLnBrk="0" hangingPunct="1">
+              <a:lnSpc>
+                <a:spcPct val="100000"/>
+              </a:lnSpc>
+              <a:spcBef>
+                <a:spcPts val="0"/>
+              </a:spcBef>
+              <a:spcAft>
+                <a:spcPts val="0"/>
+              </a:spcAft>
+              <a:buClrTx/>
+              <a:buSzTx/>
+              <a:buFontTx/>
+              <a:buNone/>
+              <a:tabLst/>
+              <a:defRPr/>
+            </a:pPr>
+            <a:r>
+              <a:rPr kumimoji="0" lang="en-US" altLang="zh-CN" sz="1050" b="1" i="0" u="none" strike="noStrike" kern="1200" cap="none" spc="0" normalizeH="0" baseline="0" noProof="0" dirty="0">
+                <a:ln>
+                  <a:noFill/>
+                </a:ln>
+                <a:solidFill>
+                  <a:prstClr val="black"/>
+                </a:solidFill>
+                <a:effectLst/>
+                <a:uLnTx/>
+                <a:uFillTx/>
+                <a:latin typeface="Times New Roman" panose="02020603050405020304" pitchFamily="18" charset="0"/>
+                <a:ea typeface="宋体" panose="02010600030101010101" pitchFamily="2" charset="-122"/>
+                <a:cs typeface="+mn-cs"/>
+              </a:rPr>
+              <a:t>4G</a:t>
+            </a:r>
+            <a:endParaRPr kumimoji="0" lang="zh-CN" altLang="en-US" sz="1050" b="1" i="0" u="none" strike="noStrike" kern="1200" cap="none" spc="0" normalizeH="0" baseline="0" noProof="0" dirty="0">
+              <a:ln>
+                <a:noFill/>
+              </a:ln>
+              <a:solidFill>
+                <a:prstClr val="black"/>
+              </a:solidFill>
+              <a:effectLst/>
+              <a:uLnTx/>
+              <a:uFillTx/>
+              <a:latin typeface="Times New Roman" panose="02020603050405020304" pitchFamily="18" charset="0"/>
+              <a:ea typeface="宋体" panose="02010600030101010101" pitchFamily="2" charset="-122"/>
+              <a:cs typeface="+mn-cs"/>
+            </a:endParaRPr>
+          </a:p>
+        </p:txBody>
+      </p:sp>
+      <p:cxnSp>
+        <p:nvCxnSpPr>
+          <p:cNvPr id="24" name="直接箭头连接符 23">
+            <a:extLst>
+              <a:ext uri="{FF2B5EF4-FFF2-40B4-BE49-F238E27FC236}">
+                <a16:creationId xmlns:a16="http://schemas.microsoft.com/office/drawing/2014/main" id="{67C74ED7-5447-CBD1-5577-AF8029C9AFE2}"/>
+              </a:ext>
+            </a:extLst>
+          </p:cNvPr>
+          <p:cNvCxnSpPr>
+            <a:cxnSpLocks/>
+          </p:cNvCxnSpPr>
+          <p:nvPr/>
+        </p:nvCxnSpPr>
+        <p:spPr>
+          <a:xfrm>
+            <a:off x="8118246" y="2727307"/>
+            <a:ext cx="0" cy="220681"/>
+          </a:xfrm>
+          <a:prstGeom prst="straightConnector1">
+            <a:avLst/>
+          </a:prstGeom>
+          <a:ln w="19050">
+            <a:solidFill>
+              <a:schemeClr val="tx1"/>
+            </a:solidFill>
+            <a:tailEnd type="triangle"/>
+          </a:ln>
+        </p:spPr>
+        <p:style>
+          <a:lnRef idx="1">
+            <a:schemeClr val="accent1"/>
+          </a:lnRef>
+          <a:fillRef idx="0">
+            <a:schemeClr val="accent1"/>
+          </a:fillRef>
+          <a:effectRef idx="0">
+            <a:schemeClr val="accent1"/>
+          </a:effectRef>
+          <a:fontRef idx="minor">
+            <a:schemeClr val="tx1"/>
+          </a:fontRef>
+        </p:style>
+      </p:cxnSp>
+      <p:cxnSp>
+        <p:nvCxnSpPr>
+          <p:cNvPr id="30" name="直接箭头连接符 29">
+            <a:extLst>
+              <a:ext uri="{FF2B5EF4-FFF2-40B4-BE49-F238E27FC236}">
+                <a16:creationId xmlns:a16="http://schemas.microsoft.com/office/drawing/2014/main" id="{DEBC959B-DD59-CC00-7CAA-8EC17A4E07BD}"/>
+              </a:ext>
+            </a:extLst>
+          </p:cNvPr>
+          <p:cNvCxnSpPr>
+            <a:cxnSpLocks/>
+          </p:cNvCxnSpPr>
+          <p:nvPr/>
+        </p:nvCxnSpPr>
+        <p:spPr>
+          <a:xfrm flipH="1" flipV="1">
+            <a:off x="7918717" y="2726520"/>
+            <a:ext cx="1654" cy="206697"/>
+          </a:xfrm>
+          <a:prstGeom prst="straightConnector1">
+            <a:avLst/>
+          </a:prstGeom>
+          <a:ln w="19050">
+            <a:solidFill>
+              <a:schemeClr val="tx1"/>
+            </a:solidFill>
+            <a:tailEnd type="triangle"/>
+          </a:ln>
+        </p:spPr>
+        <p:style>
+          <a:lnRef idx="1">
+            <a:schemeClr val="accent1"/>
+          </a:lnRef>
+          <a:fillRef idx="0">
+            <a:schemeClr val="accent1"/>
+          </a:fillRef>
+          <a:effectRef idx="0">
+            <a:schemeClr val="accent1"/>
+          </a:effectRef>
+          <a:fontRef idx="minor">
+            <a:schemeClr val="tx1"/>
+          </a:fontRef>
+        </p:style>
+      </p:cxnSp>
+      <p:sp>
+        <p:nvSpPr>
+          <p:cNvPr id="25" name="文本框 24">
+            <a:extLst>
+              <a:ext uri="{FF2B5EF4-FFF2-40B4-BE49-F238E27FC236}">
+                <a16:creationId xmlns:a16="http://schemas.microsoft.com/office/drawing/2014/main" id="{3BAE05FF-1C50-70F5-375D-56A6AA81041D}"/>
+              </a:ext>
+            </a:extLst>
+          </p:cNvPr>
+          <p:cNvSpPr txBox="1"/>
+          <p:nvPr/>
+        </p:nvSpPr>
+        <p:spPr>
+          <a:xfrm>
+            <a:off x="447221" y="-35781"/>
+            <a:ext cx="1273798" cy="369332"/>
+          </a:xfrm>
+          <a:prstGeom prst="rect">
+            <a:avLst/>
+          </a:prstGeom>
+          <a:noFill/>
+        </p:spPr>
+        <p:txBody>
+          <a:bodyPr wrap="square">
+            <a:spAutoFit/>
+          </a:bodyPr>
+          <a:lstStyle/>
+          <a:p>
+            <a:pPr marL="0" marR="0" lvl="0" indent="0" algn="l" defTabSz="914400" rtl="0" eaLnBrk="1" fontAlgn="auto" latinLnBrk="0" hangingPunct="1">
+              <a:lnSpc>
+                <a:spcPct val="100000"/>
+              </a:lnSpc>
+              <a:spcBef>
+                <a:spcPts val="0"/>
+              </a:spcBef>
+              <a:spcAft>
+                <a:spcPts val="0"/>
+              </a:spcAft>
+              <a:buClrTx/>
+              <a:buSzTx/>
+              <a:buFontTx/>
+              <a:buNone/>
+              <a:tabLst/>
+              <a:defRPr/>
+            </a:pPr>
+            <a:r>
+              <a:rPr kumimoji="0" lang="zh-CN" altLang="en-US" sz="1800" b="1" i="0" u="none" strike="noStrike" kern="1200" cap="none" spc="0" normalizeH="0" baseline="0" noProof="0" dirty="0">
+                <a:ln>
+                  <a:noFill/>
+                </a:ln>
+                <a:solidFill>
+                  <a:prstClr val="white"/>
+                </a:solidFill>
+                <a:effectLst/>
+                <a:uLnTx/>
+                <a:uFillTx/>
+                <a:latin typeface="等线" panose="020F0502020204030204"/>
+                <a:ea typeface="等线" panose="02010600030101010101" pitchFamily="2" charset="-122"/>
+                <a:cs typeface="+mn-cs"/>
+              </a:rPr>
+              <a:t>系统设计</a:t>
+            </a:r>
+          </a:p>
+        </p:txBody>
+      </p:sp>
+      <p:sp>
+        <p:nvSpPr>
+          <p:cNvPr id="69" name="文本框 68">
+            <a:extLst>
+              <a:ext uri="{FF2B5EF4-FFF2-40B4-BE49-F238E27FC236}">
+                <a16:creationId xmlns:a16="http://schemas.microsoft.com/office/drawing/2014/main" id="{B7410265-8369-1D41-B18F-D64FB3756137}"/>
+              </a:ext>
+            </a:extLst>
+          </p:cNvPr>
+          <p:cNvSpPr txBox="1"/>
+          <p:nvPr/>
+        </p:nvSpPr>
+        <p:spPr>
+          <a:xfrm>
+            <a:off x="2492661" y="4169247"/>
+            <a:ext cx="890824" cy="253916"/>
+          </a:xfrm>
+          <a:prstGeom prst="rect">
+            <a:avLst/>
+          </a:prstGeom>
+          <a:noFill/>
+        </p:spPr>
+        <p:txBody>
+          <a:bodyPr wrap="square">
+            <a:spAutoFit/>
+          </a:bodyPr>
+          <a:lstStyle/>
+          <a:p>
+            <a:pPr marL="0" marR="0" lvl="0" indent="0" algn="ctr" defTabSz="914400" rtl="0" eaLnBrk="1" fontAlgn="auto" latinLnBrk="0" hangingPunct="1">
+              <a:lnSpc>
+                <a:spcPct val="100000"/>
+              </a:lnSpc>
+              <a:spcBef>
+                <a:spcPts val="0"/>
+              </a:spcBef>
+              <a:spcAft>
+                <a:spcPts val="0"/>
+              </a:spcAft>
+              <a:buClrTx/>
+              <a:buSzTx/>
+              <a:buFontTx/>
+              <a:buNone/>
+              <a:tabLst/>
+              <a:defRPr/>
+            </a:pPr>
+            <a:r>
+              <a:rPr kumimoji="0" lang="en-US" altLang="zh-CN" sz="1050" b="1" i="0" u="none" strike="noStrike" kern="1200" cap="none" spc="0" normalizeH="0" baseline="0" noProof="0" dirty="0">
+                <a:ln>
+                  <a:noFill/>
+                </a:ln>
+                <a:solidFill>
+                  <a:prstClr val="black"/>
+                </a:solidFill>
+                <a:effectLst/>
+                <a:uLnTx/>
+                <a:uFillTx/>
+                <a:latin typeface="Times New Roman" panose="02020603050405020304" pitchFamily="18" charset="0"/>
+                <a:ea typeface="宋体" panose="02010600030101010101" pitchFamily="2" charset="-122"/>
+                <a:cs typeface="+mn-cs"/>
+              </a:rPr>
+              <a:t>WIFI</a:t>
+            </a:r>
+            <a:endParaRPr kumimoji="0" lang="zh-CN" altLang="en-US" sz="1050" b="1" i="0" u="none" strike="noStrike" kern="1200" cap="none" spc="0" normalizeH="0" baseline="0" noProof="0" dirty="0">
+              <a:ln>
+                <a:noFill/>
+              </a:ln>
+              <a:solidFill>
+                <a:prstClr val="black"/>
+              </a:solidFill>
+              <a:effectLst/>
+              <a:uLnTx/>
+              <a:uFillTx/>
+              <a:latin typeface="Times New Roman" panose="02020603050405020304" pitchFamily="18" charset="0"/>
+              <a:ea typeface="宋体" panose="02010600030101010101" pitchFamily="2" charset="-122"/>
+              <a:cs typeface="+mn-cs"/>
+            </a:endParaRPr>
+          </a:p>
+        </p:txBody>
+      </p:sp>
+      <p:cxnSp>
+        <p:nvCxnSpPr>
+          <p:cNvPr id="73" name="直接连接符 72">
+            <a:extLst>
+              <a:ext uri="{FF2B5EF4-FFF2-40B4-BE49-F238E27FC236}">
+                <a16:creationId xmlns:a16="http://schemas.microsoft.com/office/drawing/2014/main" id="{A3067CBA-F449-E7F7-DB1C-505FF85FF3C5}"/>
+              </a:ext>
+            </a:extLst>
+          </p:cNvPr>
+          <p:cNvCxnSpPr/>
+          <p:nvPr/>
+        </p:nvCxnSpPr>
+        <p:spPr>
+          <a:xfrm flipV="1">
+            <a:off x="10953345" y="1387585"/>
+            <a:ext cx="0" cy="1896930"/>
+          </a:xfrm>
+          <a:prstGeom prst="line">
+            <a:avLst/>
+          </a:prstGeom>
+          <a:ln w="19050">
+            <a:solidFill>
+              <a:schemeClr val="tx1"/>
+            </a:solidFill>
+          </a:ln>
+        </p:spPr>
+        <p:style>
+          <a:lnRef idx="1">
+            <a:schemeClr val="accent1"/>
+          </a:lnRef>
+          <a:fillRef idx="0">
+            <a:schemeClr val="accent1"/>
+          </a:fillRef>
+          <a:effectRef idx="0">
+            <a:schemeClr val="accent1"/>
+          </a:effectRef>
+          <a:fontRef idx="minor">
+            <a:schemeClr val="tx1"/>
+          </a:fontRef>
+        </p:style>
+      </p:cxnSp>
+      <p:cxnSp>
+        <p:nvCxnSpPr>
+          <p:cNvPr id="77" name="直接连接符 76">
+            <a:extLst>
+              <a:ext uri="{FF2B5EF4-FFF2-40B4-BE49-F238E27FC236}">
+                <a16:creationId xmlns:a16="http://schemas.microsoft.com/office/drawing/2014/main" id="{3806D4F3-D2FA-F174-F2B1-B884C352BE90}"/>
+              </a:ext>
+            </a:extLst>
+          </p:cNvPr>
+          <p:cNvCxnSpPr>
+            <a:cxnSpLocks/>
+          </p:cNvCxnSpPr>
+          <p:nvPr/>
+        </p:nvCxnSpPr>
+        <p:spPr>
+          <a:xfrm flipH="1">
+            <a:off x="8118246" y="1387585"/>
+            <a:ext cx="2835099" cy="0"/>
+          </a:xfrm>
+          <a:prstGeom prst="line">
+            <a:avLst/>
+          </a:prstGeom>
+          <a:ln w="19050">
+            <a:solidFill>
+              <a:schemeClr val="tx1"/>
+            </a:solidFill>
+          </a:ln>
+        </p:spPr>
+        <p:style>
+          <a:lnRef idx="1">
+            <a:schemeClr val="accent1"/>
+          </a:lnRef>
+          <a:fillRef idx="0">
+            <a:schemeClr val="accent1"/>
+          </a:fillRef>
+          <a:effectRef idx="0">
+            <a:schemeClr val="accent1"/>
+          </a:effectRef>
+          <a:fontRef idx="minor">
+            <a:schemeClr val="tx1"/>
+          </a:fontRef>
+        </p:style>
+      </p:cxnSp>
+      <p:cxnSp>
+        <p:nvCxnSpPr>
+          <p:cNvPr id="84" name="直接箭头连接符 83">
+            <a:extLst>
+              <a:ext uri="{FF2B5EF4-FFF2-40B4-BE49-F238E27FC236}">
+                <a16:creationId xmlns:a16="http://schemas.microsoft.com/office/drawing/2014/main" id="{7B2B85C8-6868-2F20-60EB-821C953880FA}"/>
+              </a:ext>
+            </a:extLst>
+          </p:cNvPr>
+          <p:cNvCxnSpPr>
+            <a:cxnSpLocks/>
+          </p:cNvCxnSpPr>
+          <p:nvPr/>
+        </p:nvCxnSpPr>
+        <p:spPr>
+          <a:xfrm>
+            <a:off x="8125954" y="1387585"/>
+            <a:ext cx="0" cy="300777"/>
+          </a:xfrm>
+          <a:prstGeom prst="straightConnector1">
+            <a:avLst/>
+          </a:prstGeom>
+          <a:ln w="19050">
+            <a:solidFill>
+              <a:schemeClr val="tx1"/>
+            </a:solidFill>
+            <a:tailEnd type="triangle"/>
+          </a:ln>
+        </p:spPr>
+        <p:style>
+          <a:lnRef idx="1">
+            <a:schemeClr val="accent1"/>
+          </a:lnRef>
+          <a:fillRef idx="0">
+            <a:schemeClr val="accent1"/>
+          </a:fillRef>
+          <a:effectRef idx="0">
+            <a:schemeClr val="accent1"/>
+          </a:effectRef>
+          <a:fontRef idx="minor">
+            <a:schemeClr val="tx1"/>
+          </a:fontRef>
+        </p:style>
+      </p:cxnSp>
+      <p:sp>
+        <p:nvSpPr>
+          <p:cNvPr id="89" name="矩形 88">
+            <a:extLst>
+              <a:ext uri="{FF2B5EF4-FFF2-40B4-BE49-F238E27FC236}">
+                <a16:creationId xmlns:a16="http://schemas.microsoft.com/office/drawing/2014/main" id="{A08E70A8-370D-0956-6F7B-12DE4D62E4AB}"/>
+              </a:ext>
+            </a:extLst>
+          </p:cNvPr>
+          <p:cNvSpPr/>
+          <p:nvPr/>
+        </p:nvSpPr>
+        <p:spPr>
+          <a:xfrm>
+            <a:off x="447221" y="949895"/>
+            <a:ext cx="1165680" cy="276999"/>
+          </a:xfrm>
+          <a:prstGeom prst="rect">
+            <a:avLst/>
+          </a:prstGeom>
+          <a:solidFill>
+            <a:schemeClr val="bg1"/>
+          </a:solidFill>
+          <a:ln w="19050">
+            <a:solidFill>
+              <a:schemeClr val="tx1"/>
+            </a:solidFill>
+          </a:ln>
+        </p:spPr>
+        <p:txBody>
+          <a:bodyPr wrap="square">
+            <a:spAutoFit/>
+          </a:bodyPr>
+          <a:lstStyle/>
+          <a:p>
+            <a:pPr marL="0" marR="0" lvl="0" indent="0" algn="ctr" defTabSz="914400" rtl="0" eaLnBrk="1" fontAlgn="auto" latinLnBrk="0" hangingPunct="1">
+              <a:lnSpc>
+                <a:spcPct val="100000"/>
+              </a:lnSpc>
+              <a:spcBef>
+                <a:spcPts val="0"/>
+              </a:spcBef>
+              <a:spcAft>
+                <a:spcPts val="0"/>
+              </a:spcAft>
+              <a:buClrTx/>
+              <a:buSzTx/>
+              <a:buFontTx/>
+              <a:buNone/>
+              <a:tabLst/>
+              <a:defRPr/>
+            </a:pPr>
+            <a:r>
+              <a:rPr kumimoji="1" lang="zh-CN" altLang="en-US" sz="1200" b="1" i="0" u="none" strike="noStrike" kern="1200" cap="none" spc="0" normalizeH="0" baseline="0" noProof="0" dirty="0">
+                <a:ln>
+                  <a:noFill/>
+                </a:ln>
+                <a:solidFill>
+                  <a:prstClr val="black"/>
+                </a:solidFill>
+                <a:effectLst/>
+                <a:uLnTx/>
+                <a:uFillTx/>
+                <a:latin typeface="宋体" panose="02010600030101010101" pitchFamily="2" charset="-122"/>
+                <a:ea typeface="宋体" panose="02010600030101010101" pitchFamily="2" charset="-122"/>
+                <a:cs typeface="+mn-cs"/>
+              </a:rPr>
+              <a:t>数据采集层</a:t>
+            </a:r>
+            <a:endParaRPr kumimoji="1" lang="en-US" altLang="zh-CN" sz="1200" b="1" i="0" u="none" strike="noStrike" kern="1200" cap="none" spc="0" normalizeH="0" baseline="0" noProof="0" dirty="0">
+              <a:ln>
+                <a:noFill/>
+              </a:ln>
+              <a:solidFill>
+                <a:prstClr val="black"/>
+              </a:solidFill>
+              <a:effectLst/>
+              <a:uLnTx/>
+              <a:uFillTx/>
+              <a:latin typeface="宋体" panose="02010600030101010101" pitchFamily="2" charset="-122"/>
+              <a:ea typeface="宋体" panose="02010600030101010101" pitchFamily="2" charset="-122"/>
+              <a:cs typeface="+mn-cs"/>
+            </a:endParaRPr>
+          </a:p>
+        </p:txBody>
+      </p:sp>
+      <p:sp>
+        <p:nvSpPr>
+          <p:cNvPr id="95" name="矩形 94">
+            <a:extLst>
+              <a:ext uri="{FF2B5EF4-FFF2-40B4-BE49-F238E27FC236}">
+                <a16:creationId xmlns:a16="http://schemas.microsoft.com/office/drawing/2014/main" id="{FD6F1A2B-AF4E-E0F4-5808-84EFB453AA72}"/>
+              </a:ext>
+            </a:extLst>
+          </p:cNvPr>
+          <p:cNvSpPr/>
+          <p:nvPr/>
+        </p:nvSpPr>
+        <p:spPr>
+          <a:xfrm>
+            <a:off x="8909602" y="2883479"/>
+            <a:ext cx="1165680" cy="276999"/>
+          </a:xfrm>
+          <a:prstGeom prst="rect">
+            <a:avLst/>
+          </a:prstGeom>
+          <a:solidFill>
+            <a:schemeClr val="bg1"/>
+          </a:solidFill>
+          <a:ln w="19050">
+            <a:solidFill>
+              <a:schemeClr val="tx1"/>
+            </a:solidFill>
+          </a:ln>
+        </p:spPr>
+        <p:txBody>
+          <a:bodyPr wrap="square">
+            <a:spAutoFit/>
+          </a:bodyPr>
+          <a:lstStyle/>
+          <a:p>
+            <a:pPr marL="0" marR="0" lvl="0" indent="0" algn="ctr" defTabSz="914400" rtl="0" eaLnBrk="1" fontAlgn="auto" latinLnBrk="0" hangingPunct="1">
+              <a:lnSpc>
+                <a:spcPct val="100000"/>
+              </a:lnSpc>
+              <a:spcBef>
+                <a:spcPts val="0"/>
+              </a:spcBef>
+              <a:spcAft>
+                <a:spcPts val="0"/>
+              </a:spcAft>
+              <a:buClrTx/>
+              <a:buSzTx/>
+              <a:buFontTx/>
+              <a:buNone/>
+              <a:tabLst/>
+              <a:defRPr/>
+            </a:pPr>
+            <a:r>
+              <a:rPr kumimoji="1" lang="zh-CN" altLang="en-US" sz="1200" b="1" i="0" u="none" strike="noStrike" kern="1200" cap="none" spc="0" normalizeH="0" baseline="0" noProof="0" dirty="0">
+                <a:ln>
+                  <a:noFill/>
+                </a:ln>
+                <a:solidFill>
+                  <a:prstClr val="black"/>
+                </a:solidFill>
+                <a:effectLst/>
+                <a:uLnTx/>
+                <a:uFillTx/>
+                <a:latin typeface="宋体" panose="02010600030101010101" pitchFamily="2" charset="-122"/>
+                <a:ea typeface="宋体" panose="02010600030101010101" pitchFamily="2" charset="-122"/>
+                <a:cs typeface="+mn-cs"/>
+              </a:rPr>
+              <a:t>实时管理层</a:t>
+            </a:r>
+            <a:endParaRPr kumimoji="1" lang="en-US" altLang="zh-CN" sz="1200" b="1" i="0" u="none" strike="noStrike" kern="1200" cap="none" spc="0" normalizeH="0" baseline="0" noProof="0" dirty="0">
+              <a:ln>
+                <a:noFill/>
+              </a:ln>
+              <a:solidFill>
+                <a:prstClr val="black"/>
+              </a:solidFill>
+              <a:effectLst/>
+              <a:uLnTx/>
+              <a:uFillTx/>
+              <a:latin typeface="宋体" panose="02010600030101010101" pitchFamily="2" charset="-122"/>
+              <a:ea typeface="宋体" panose="02010600030101010101" pitchFamily="2" charset="-122"/>
+              <a:cs typeface="+mn-cs"/>
+            </a:endParaRPr>
+          </a:p>
+        </p:txBody>
+      </p:sp>
+      <p:pic>
+        <p:nvPicPr>
+          <p:cNvPr id="3" name="图片 2">
+            <a:extLst>
+              <a:ext uri="{FF2B5EF4-FFF2-40B4-BE49-F238E27FC236}">
+                <a16:creationId xmlns:a16="http://schemas.microsoft.com/office/drawing/2014/main" id="{C190A384-F96E-F030-6FEA-10E99E358375}"/>
+              </a:ext>
+            </a:extLst>
+          </p:cNvPr>
+          <p:cNvPicPr>
+            <a:picLocks noChangeAspect="1"/>
+          </p:cNvPicPr>
+          <p:nvPr/>
+        </p:nvPicPr>
+        <p:blipFill>
+          <a:blip r:embed="rId12">
+            <a:extLst>
+              <a:ext uri="{28A0092B-C50C-407E-A947-70E740481C1C}">
+                <a14:useLocalDpi xmlns:a14="http://schemas.microsoft.com/office/drawing/2010/main" val="0"/>
+              </a:ext>
+            </a:extLst>
+          </a:blip>
+          <a:stretch>
+            <a:fillRect/>
+          </a:stretch>
+        </p:blipFill>
+        <p:spPr>
+          <a:xfrm>
+            <a:off x="9578430" y="3364256"/>
+            <a:ext cx="1927768" cy="1119218"/>
+          </a:xfrm>
+          <a:prstGeom prst="rect">
+            <a:avLst/>
+          </a:prstGeom>
+        </p:spPr>
+      </p:pic>
+    </p:spTree>
+    <p:extLst>
+      <p:ext uri="{BB962C8B-B14F-4D97-AF65-F5344CB8AC3E}">
+        <p14:creationId xmlns:p14="http://schemas.microsoft.com/office/powerpoint/2010/main" val="2942536887"/>
+      </p:ext>
+    </p:extLst>
+  </p:cSld>
+  <p:clrMapOvr>
+    <a:masterClrMapping/>
+  </p:clrMapOvr>
+</p:sld>
+</file>
+
 <file path=ppt/theme/theme1.xml><?xml version="1.0" encoding="utf-8"?>
 <a:theme xmlns:a="http://schemas.openxmlformats.org/drawingml/2006/main" name="Office 主题​​">
   <a:themeElements>
